--- a/富文本编辑器初探(1)/富文本编辑器初探(1).pptx
+++ b/富文本编辑器初探(1)/富文本编辑器初探(1).pptx
@@ -5,7 +5,7 @@
     <p:sldMasterId id="2147483648" r:id="rId1"/>
   </p:sldMasterIdLst>
   <p:notesMasterIdLst>
-    <p:notesMasterId r:id="rId20"/>
+    <p:notesMasterId r:id="rId21"/>
   </p:notesMasterIdLst>
   <p:sldIdLst>
     <p:sldId id="256" r:id="rId2"/>
@@ -25,7 +25,8 @@
     <p:sldId id="272" r:id="rId16"/>
     <p:sldId id="273" r:id="rId17"/>
     <p:sldId id="279" r:id="rId18"/>
-    <p:sldId id="284" r:id="rId19"/>
+    <p:sldId id="285" r:id="rId19"/>
+    <p:sldId id="286" r:id="rId20"/>
   </p:sldIdLst>
   <p:sldSz cx="12192000" cy="6858000"/>
   <p:notesSz cx="6858000" cy="9144000"/>
@@ -127,12 +128,12 @@
   <p:extLst>
     <p:ext uri="{EFAFB233-063F-42B5-8137-9DF3F51BA10A}">
       <p15:sldGuideLst xmlns:p15="http://schemas.microsoft.com/office/powerpoint/2012/main">
-        <p15:guide id="1" orient="horz" pos="2160" userDrawn="1">
+        <p15:guide id="1" orient="horz" pos="232" userDrawn="1">
           <p15:clr>
             <a:srgbClr val="A4A3A4"/>
           </p15:clr>
         </p15:guide>
-        <p15:guide id="2" pos="1141" userDrawn="1">
+        <p15:guide id="2" pos="3840" userDrawn="1">
           <p15:clr>
             <a:srgbClr val="A4A3A4"/>
           </p15:clr>
@@ -225,7 +226,7 @@
           <a:p>
             <a:fld id="{6684745F-2050-4263-A7EF-7975EF366450}" type="datetimeFigureOut">
               <a:rPr lang="zh-CN" altLang="en-US" smtClean="0"/>
-              <a:t>2020/8/31</a:t>
+              <a:t>2020/9/2</a:t>
             </a:fld>
             <a:endParaRPr lang="zh-CN" altLang="en-US"/>
           </a:p>
@@ -650,7 +651,91 @@
     </p:spTree>
     <p:extLst>
       <p:ext uri="{BB962C8B-B14F-4D97-AF65-F5344CB8AC3E}">
-        <p14:creationId xmlns:p14="http://schemas.microsoft.com/office/powerpoint/2010/main" val="4128302392"/>
+        <p14:creationId xmlns:p14="http://schemas.microsoft.com/office/powerpoint/2010/main" val="1563678742"/>
+      </p:ext>
+    </p:extLst>
+  </p:cSld>
+  <p:clrMapOvr>
+    <a:masterClrMapping/>
+  </p:clrMapOvr>
+</p:notes>
+</file>
+
+<file path=ppt/notesSlides/notesSlide3.xml><?xml version="1.0" encoding="utf-8"?>
+<p:notes xmlns:a="http://schemas.openxmlformats.org/drawingml/2006/main" xmlns:r="http://schemas.openxmlformats.org/officeDocument/2006/relationships" xmlns:p="http://schemas.openxmlformats.org/presentationml/2006/main">
+  <p:cSld>
+    <p:spTree>
+      <p:nvGrpSpPr>
+        <p:cNvPr id="1" name=""/>
+        <p:cNvGrpSpPr/>
+        <p:nvPr/>
+      </p:nvGrpSpPr>
+      <p:grpSpPr>
+        <a:xfrm>
+          <a:off x="0" y="0"/>
+          <a:ext cx="0" cy="0"/>
+          <a:chOff x="0" y="0"/>
+          <a:chExt cx="0" cy="0"/>
+        </a:xfrm>
+      </p:grpSpPr>
+      <p:sp>
+        <p:nvSpPr>
+          <p:cNvPr id="2" name="幻灯片图像占位符 1"/>
+          <p:cNvSpPr>
+            <a:spLocks noGrp="1" noRot="1" noChangeAspect="1"/>
+          </p:cNvSpPr>
+          <p:nvPr>
+            <p:ph type="sldImg"/>
+          </p:nvPr>
+        </p:nvSpPr>
+        <p:spPr/>
+      </p:sp>
+      <p:sp>
+        <p:nvSpPr>
+          <p:cNvPr id="3" name="备注占位符 2"/>
+          <p:cNvSpPr>
+            <a:spLocks noGrp="1"/>
+          </p:cNvSpPr>
+          <p:nvPr>
+            <p:ph type="body" idx="1"/>
+          </p:nvPr>
+        </p:nvSpPr>
+        <p:spPr/>
+        <p:txBody>
+          <a:bodyPr/>
+          <a:lstStyle/>
+          <a:p>
+            <a:endParaRPr lang="zh-CN" altLang="en-US" dirty="0"/>
+          </a:p>
+        </p:txBody>
+      </p:sp>
+      <p:sp>
+        <p:nvSpPr>
+          <p:cNvPr id="4" name="灯片编号占位符 3"/>
+          <p:cNvSpPr>
+            <a:spLocks noGrp="1"/>
+          </p:cNvSpPr>
+          <p:nvPr>
+            <p:ph type="sldNum" sz="quarter" idx="5"/>
+          </p:nvPr>
+        </p:nvSpPr>
+        <p:spPr/>
+        <p:txBody>
+          <a:bodyPr/>
+          <a:lstStyle/>
+          <a:p>
+            <a:fld id="{3F22FE25-6B39-4F07-B1E2-B2F2FA19157E}" type="slidenum">
+              <a:rPr lang="zh-CN" altLang="en-US" smtClean="0"/>
+              <a:t>19</a:t>
+            </a:fld>
+            <a:endParaRPr lang="zh-CN" altLang="en-US"/>
+          </a:p>
+        </p:txBody>
+      </p:sp>
+    </p:spTree>
+    <p:extLst>
+      <p:ext uri="{BB962C8B-B14F-4D97-AF65-F5344CB8AC3E}">
+        <p14:creationId xmlns:p14="http://schemas.microsoft.com/office/powerpoint/2010/main" val="1277793713"/>
       </p:ext>
     </p:extLst>
   </p:cSld>
@@ -789,7 +874,7 @@
           <a:p>
             <a:fld id="{8E58FC79-AB8B-4051-B2A4-940139AA4DE7}" type="datetimeFigureOut">
               <a:rPr lang="zh-CN" altLang="en-US" smtClean="0"/>
-              <a:t>2020/8/31</a:t>
+              <a:t>2020/9/2</a:t>
             </a:fld>
             <a:endParaRPr lang="zh-CN" altLang="en-US"/>
           </a:p>
@@ -957,7 +1042,7 @@
           <a:p>
             <a:fld id="{8E58FC79-AB8B-4051-B2A4-940139AA4DE7}" type="datetimeFigureOut">
               <a:rPr lang="zh-CN" altLang="en-US" smtClean="0"/>
-              <a:t>2020/8/31</a:t>
+              <a:t>2020/9/2</a:t>
             </a:fld>
             <a:endParaRPr lang="zh-CN" altLang="en-US"/>
           </a:p>
@@ -1135,7 +1220,7 @@
           <a:p>
             <a:fld id="{8E58FC79-AB8B-4051-B2A4-940139AA4DE7}" type="datetimeFigureOut">
               <a:rPr lang="zh-CN" altLang="en-US" smtClean="0"/>
-              <a:t>2020/8/31</a:t>
+              <a:t>2020/9/2</a:t>
             </a:fld>
             <a:endParaRPr lang="zh-CN" altLang="en-US"/>
           </a:p>
@@ -1303,7 +1388,7 @@
           <a:p>
             <a:fld id="{8E58FC79-AB8B-4051-B2A4-940139AA4DE7}" type="datetimeFigureOut">
               <a:rPr lang="zh-CN" altLang="en-US" smtClean="0"/>
-              <a:t>2020/8/31</a:t>
+              <a:t>2020/9/2</a:t>
             </a:fld>
             <a:endParaRPr lang="zh-CN" altLang="en-US"/>
           </a:p>
@@ -1548,7 +1633,7 @@
           <a:p>
             <a:fld id="{8E58FC79-AB8B-4051-B2A4-940139AA4DE7}" type="datetimeFigureOut">
               <a:rPr lang="zh-CN" altLang="en-US" smtClean="0"/>
-              <a:t>2020/8/31</a:t>
+              <a:t>2020/9/2</a:t>
             </a:fld>
             <a:endParaRPr lang="zh-CN" altLang="en-US"/>
           </a:p>
@@ -1777,7 +1862,7 @@
           <a:p>
             <a:fld id="{8E58FC79-AB8B-4051-B2A4-940139AA4DE7}" type="datetimeFigureOut">
               <a:rPr lang="zh-CN" altLang="en-US" smtClean="0"/>
-              <a:t>2020/8/31</a:t>
+              <a:t>2020/9/2</a:t>
             </a:fld>
             <a:endParaRPr lang="zh-CN" altLang="en-US"/>
           </a:p>
@@ -2141,7 +2226,7 @@
           <a:p>
             <a:fld id="{8E58FC79-AB8B-4051-B2A4-940139AA4DE7}" type="datetimeFigureOut">
               <a:rPr lang="zh-CN" altLang="en-US" smtClean="0"/>
-              <a:t>2020/8/31</a:t>
+              <a:t>2020/9/2</a:t>
             </a:fld>
             <a:endParaRPr lang="zh-CN" altLang="en-US"/>
           </a:p>
@@ -2258,7 +2343,7 @@
           <a:p>
             <a:fld id="{8E58FC79-AB8B-4051-B2A4-940139AA4DE7}" type="datetimeFigureOut">
               <a:rPr lang="zh-CN" altLang="en-US" smtClean="0"/>
-              <a:t>2020/8/31</a:t>
+              <a:t>2020/9/2</a:t>
             </a:fld>
             <a:endParaRPr lang="zh-CN" altLang="en-US"/>
           </a:p>
@@ -2353,7 +2438,7 @@
           <a:p>
             <a:fld id="{8E58FC79-AB8B-4051-B2A4-940139AA4DE7}" type="datetimeFigureOut">
               <a:rPr lang="zh-CN" altLang="en-US" smtClean="0"/>
-              <a:t>2020/8/31</a:t>
+              <a:t>2020/9/2</a:t>
             </a:fld>
             <a:endParaRPr lang="zh-CN" altLang="en-US"/>
           </a:p>
@@ -2628,7 +2713,7 @@
           <a:p>
             <a:fld id="{8E58FC79-AB8B-4051-B2A4-940139AA4DE7}" type="datetimeFigureOut">
               <a:rPr lang="zh-CN" altLang="en-US" smtClean="0"/>
-              <a:t>2020/8/31</a:t>
+              <a:t>2020/9/2</a:t>
             </a:fld>
             <a:endParaRPr lang="zh-CN" altLang="en-US"/>
           </a:p>
@@ -2880,7 +2965,7 @@
           <a:p>
             <a:fld id="{8E58FC79-AB8B-4051-B2A4-940139AA4DE7}" type="datetimeFigureOut">
               <a:rPr lang="zh-CN" altLang="en-US" smtClean="0"/>
-              <a:t>2020/8/31</a:t>
+              <a:t>2020/9/2</a:t>
             </a:fld>
             <a:endParaRPr lang="zh-CN" altLang="en-US"/>
           </a:p>
@@ -3091,7 +3176,7 @@
           <a:p>
             <a:fld id="{8E58FC79-AB8B-4051-B2A4-940139AA4DE7}" type="datetimeFigureOut">
               <a:rPr lang="zh-CN" altLang="en-US" smtClean="0"/>
-              <a:t>2020/8/31</a:t>
+              <a:t>2020/9/2</a:t>
             </a:fld>
             <a:endParaRPr lang="zh-CN" altLang="en-US"/>
           </a:p>
@@ -3604,7 +3689,7 @@
         </p:nvSpPr>
         <p:spPr>
           <a:xfrm>
-            <a:off x="3131086" y="187037"/>
+            <a:off x="3131086" y="375878"/>
             <a:ext cx="5929828" cy="584775"/>
           </a:xfrm>
           <a:prstGeom prst="rect">
@@ -4056,7 +4141,7 @@
         </p:nvSpPr>
         <p:spPr>
           <a:xfrm>
-            <a:off x="2929363" y="200296"/>
+            <a:off x="2925900" y="378239"/>
             <a:ext cx="6340197" cy="584775"/>
           </a:xfrm>
           <a:prstGeom prst="rect">
@@ -4099,8 +4184,8 @@
         </p:blipFill>
         <p:spPr>
           <a:xfrm>
-            <a:off x="2310027" y="1012791"/>
-            <a:ext cx="7578867" cy="5537392"/>
+            <a:off x="2424089" y="1263188"/>
+            <a:ext cx="7343821" cy="5365659"/>
           </a:xfrm>
           <a:prstGeom prst="rect">
             <a:avLst/>
@@ -4208,7 +4293,7 @@
         <p:spPr>
           <a:xfrm>
             <a:off x="1711633" y="1232990"/>
-            <a:ext cx="8491622" cy="2400657"/>
+            <a:ext cx="8491622" cy="1866858"/>
           </a:xfrm>
           <a:prstGeom prst="rect">
             <a:avLst/>
@@ -4249,7 +4334,7 @@
                 <a:latin typeface="黑体" panose="02010609060101010101" pitchFamily="49" charset="-122"/>
                 <a:ea typeface="黑体" panose="02010609060101010101" pitchFamily="49" charset="-122"/>
               </a:rPr>
-              <a:t>功能最全面、最强大的，不仅包含丰富的文本样式编辑，还有强大的表格编辑功能，插入功能，而且接入十分简单</a:t>
+              <a:t>功能全面、强大的，强大的表格编辑功能</a:t>
             </a:r>
             <a:endParaRPr lang="en-US" altLang="zh-CN" sz="2000" dirty="0">
               <a:latin typeface="黑体" panose="02010609060101010101" pitchFamily="49" charset="-122"/>
@@ -4568,7 +4653,7 @@
         <p:spPr>
           <a:xfrm>
             <a:off x="1711633" y="1232990"/>
-            <a:ext cx="7965767" cy="3251852"/>
+            <a:ext cx="7965767" cy="3713517"/>
           </a:xfrm>
           <a:prstGeom prst="rect">
             <a:avLst/>
@@ -4730,6 +4815,24 @@
                 <a:ea typeface="黑体" panose="02010609060101010101" pitchFamily="49" charset="-122"/>
               </a:rPr>
               <a:t>的编辑器</a:t>
+            </a:r>
+            <a:endParaRPr lang="en-US" altLang="zh-CN" sz="2000" dirty="0">
+              <a:latin typeface="黑体" panose="02010609060101010101" pitchFamily="49" charset="-122"/>
+              <a:ea typeface="黑体" panose="02010609060101010101" pitchFamily="49" charset="-122"/>
+            </a:endParaRPr>
+          </a:p>
+          <a:p>
+            <a:pPr>
+              <a:lnSpc>
+                <a:spcPct val="150000"/>
+              </a:lnSpc>
+            </a:pPr>
+            <a:r>
+              <a:rPr lang="zh-CN" altLang="en-US" sz="2000" dirty="0">
+                <a:latin typeface="黑体" panose="02010609060101010101" pitchFamily="49" charset="-122"/>
+                <a:ea typeface="黑体" panose="02010609060101010101" pitchFamily="49" charset="-122"/>
+              </a:rPr>
+              <a:t>国际化做的很好，支持上百种语言</a:t>
             </a:r>
             <a:endParaRPr lang="en-US" altLang="zh-CN" sz="2000" dirty="0">
               <a:latin typeface="黑体" panose="02010609060101010101" pitchFamily="49" charset="-122"/>
@@ -4842,7 +4945,7 @@
         </p:nvSpPr>
         <p:spPr>
           <a:xfrm>
-            <a:off x="887277" y="4471284"/>
+            <a:off x="887277" y="4848968"/>
             <a:ext cx="1648712" cy="481863"/>
           </a:xfrm>
           <a:prstGeom prst="rect">
@@ -4888,7 +4991,7 @@
         </p:nvSpPr>
         <p:spPr>
           <a:xfrm>
-            <a:off x="1711633" y="4471284"/>
+            <a:off x="1711633" y="4848968"/>
             <a:ext cx="8590607" cy="481863"/>
           </a:xfrm>
           <a:prstGeom prst="rect">
@@ -4973,7 +5076,7 @@
         </p:nvSpPr>
         <p:spPr>
           <a:xfrm>
-            <a:off x="3544997" y="200296"/>
+            <a:off x="3438862" y="428896"/>
             <a:ext cx="5314275" cy="584775"/>
           </a:xfrm>
           <a:prstGeom prst="rect">
@@ -5035,7 +5138,7 @@
         </p:nvSpPr>
         <p:spPr>
           <a:xfrm>
-            <a:off x="1711632" y="1232990"/>
+            <a:off x="1711632" y="1620612"/>
             <a:ext cx="10076508" cy="2328523"/>
           </a:xfrm>
           <a:prstGeom prst="rect">
@@ -5218,7 +5321,7 @@
         </p:nvSpPr>
         <p:spPr>
           <a:xfrm>
-            <a:off x="887277" y="1232990"/>
+            <a:off x="887277" y="1620612"/>
             <a:ext cx="1648712" cy="481863"/>
           </a:xfrm>
           <a:prstGeom prst="rect">
@@ -5327,7 +5430,7 @@
         </p:nvSpPr>
         <p:spPr>
           <a:xfrm>
-            <a:off x="3544997" y="200296"/>
+            <a:off x="3233678" y="556888"/>
             <a:ext cx="5724644" cy="584775"/>
           </a:xfrm>
           <a:prstGeom prst="rect">
@@ -5389,8 +5492,8 @@
         </p:nvSpPr>
         <p:spPr>
           <a:xfrm>
-            <a:off x="1711633" y="1232990"/>
-            <a:ext cx="9329747" cy="2214452"/>
+            <a:off x="1711633" y="1729948"/>
+            <a:ext cx="9329747" cy="1774525"/>
           </a:xfrm>
           <a:prstGeom prst="rect">
             <a:avLst/>
@@ -5427,11 +5530,32 @@
               </a:lnSpc>
             </a:pPr>
             <a:r>
+              <a:rPr lang="en-US" altLang="zh-CN" dirty="0" err="1">
+                <a:latin typeface="黑体" panose="02010609060101010101" pitchFamily="49" charset="-122"/>
+                <a:ea typeface="黑体" panose="02010609060101010101" pitchFamily="49" charset="-122"/>
+              </a:rPr>
+              <a:t>wangEditor</a:t>
+            </a:r>
+            <a:r>
               <a:rPr lang="zh-CN" altLang="en-US" dirty="0">
                 <a:latin typeface="黑体" panose="02010609060101010101" pitchFamily="49" charset="-122"/>
                 <a:ea typeface="黑体" panose="02010609060101010101" pitchFamily="49" charset="-122"/>
               </a:rPr>
-              <a:t>轻量、简洁、易用</a:t>
+              <a:t>所有源码都已经在</a:t>
+            </a:r>
+            <a:r>
+              <a:rPr lang="en-US" altLang="zh-CN" dirty="0" err="1">
+                <a:latin typeface="黑体" panose="02010609060101010101" pitchFamily="49" charset="-122"/>
+                <a:ea typeface="黑体" panose="02010609060101010101" pitchFamily="49" charset="-122"/>
+              </a:rPr>
+              <a:t>github</a:t>
+            </a:r>
+            <a:r>
+              <a:rPr lang="zh-CN" altLang="en-US" dirty="0">
+                <a:latin typeface="黑体" panose="02010609060101010101" pitchFamily="49" charset="-122"/>
+                <a:ea typeface="黑体" panose="02010609060101010101" pitchFamily="49" charset="-122"/>
+              </a:rPr>
+              <a:t>上开源</a:t>
             </a:r>
             <a:endParaRPr lang="en-US" altLang="zh-CN" dirty="0">
               <a:latin typeface="黑体" panose="02010609060101010101" pitchFamily="49" charset="-122"/>
@@ -5445,32 +5569,39 @@
               </a:lnSpc>
             </a:pPr>
             <a:r>
+              <a:rPr lang="zh-CN" altLang="en-US" dirty="0">
+                <a:latin typeface="黑体" panose="02010609060101010101" pitchFamily="49" charset="-122"/>
+                <a:ea typeface="黑体" panose="02010609060101010101" pitchFamily="49" charset="-122"/>
+              </a:rPr>
+              <a:t>作者一直有更新，并且有</a:t>
+            </a:r>
+            <a:r>
+              <a:rPr lang="en-US" altLang="zh-CN" dirty="0">
+                <a:latin typeface="黑体" panose="02010609060101010101" pitchFamily="49" charset="-122"/>
+                <a:ea typeface="黑体" panose="02010609060101010101" pitchFamily="49" charset="-122"/>
+              </a:rPr>
+              <a:t>QQ</a:t>
+            </a:r>
+            <a:r>
+              <a:rPr lang="zh-CN" altLang="en-US" dirty="0">
+                <a:latin typeface="黑体" panose="02010609060101010101" pitchFamily="49" charset="-122"/>
+                <a:ea typeface="黑体" panose="02010609060101010101" pitchFamily="49" charset="-122"/>
+              </a:rPr>
+              <a:t>群， </a:t>
+            </a:r>
+            <a:r>
               <a:rPr lang="en-US" altLang="zh-CN" dirty="0" err="1">
                 <a:latin typeface="黑体" panose="02010609060101010101" pitchFamily="49" charset="-122"/>
                 <a:ea typeface="黑体" panose="02010609060101010101" pitchFamily="49" charset="-122"/>
               </a:rPr>
-              <a:t>wangEditor</a:t>
+              <a:t>github</a:t>
             </a:r>
             <a:r>
               <a:rPr lang="zh-CN" altLang="en-US" dirty="0">
                 <a:latin typeface="黑体" panose="02010609060101010101" pitchFamily="49" charset="-122"/>
                 <a:ea typeface="黑体" panose="02010609060101010101" pitchFamily="49" charset="-122"/>
               </a:rPr>
-              <a:t>所有源码都已经在</a:t>
-            </a:r>
-            <a:r>
-              <a:rPr lang="en-US" altLang="zh-CN" dirty="0" err="1">
-                <a:latin typeface="黑体" panose="02010609060101010101" pitchFamily="49" charset="-122"/>
-                <a:ea typeface="黑体" panose="02010609060101010101" pitchFamily="49" charset="-122"/>
-              </a:rPr>
-              <a:t>github</a:t>
-            </a:r>
-            <a:r>
-              <a:rPr lang="zh-CN" altLang="en-US" dirty="0">
-                <a:latin typeface="黑体" panose="02010609060101010101" pitchFamily="49" charset="-122"/>
-                <a:ea typeface="黑体" panose="02010609060101010101" pitchFamily="49" charset="-122"/>
-              </a:rPr>
-              <a:t>上开源</a:t>
+              <a:t>，作者能及时的回答问题</a:t>
             </a:r>
             <a:endParaRPr lang="en-US" altLang="zh-CN" dirty="0">
               <a:latin typeface="黑体" panose="02010609060101010101" pitchFamily="49" charset="-122"/>
@@ -5484,45 +5615,40 @@
               </a:lnSpc>
             </a:pPr>
             <a:r>
-              <a:rPr lang="zh-CN" altLang="en-US" dirty="0">
-                <a:latin typeface="黑体" panose="02010609060101010101" pitchFamily="49" charset="-122"/>
-                <a:ea typeface="黑体" panose="02010609060101010101" pitchFamily="49" charset="-122"/>
-              </a:rPr>
-              <a:t>作者一直有更新，并且有</a:t>
-            </a:r>
-            <a:r>
-              <a:rPr lang="en-US" altLang="zh-CN" dirty="0">
-                <a:latin typeface="黑体" panose="02010609060101010101" pitchFamily="49" charset="-122"/>
-                <a:ea typeface="黑体" panose="02010609060101010101" pitchFamily="49" charset="-122"/>
-              </a:rPr>
-              <a:t>QQ</a:t>
-            </a:r>
-            <a:r>
-              <a:rPr lang="zh-CN" altLang="en-US" dirty="0">
-                <a:latin typeface="黑体" panose="02010609060101010101" pitchFamily="49" charset="-122"/>
-                <a:ea typeface="黑体" panose="02010609060101010101" pitchFamily="49" charset="-122"/>
-              </a:rPr>
-              <a:t>群， </a:t>
-            </a:r>
-            <a:r>
-              <a:rPr lang="en-US" altLang="zh-CN" dirty="0" err="1">
-                <a:latin typeface="黑体" panose="02010609060101010101" pitchFamily="49" charset="-122"/>
-                <a:ea typeface="黑体" panose="02010609060101010101" pitchFamily="49" charset="-122"/>
-              </a:rPr>
-              <a:t>github</a:t>
-            </a:r>
-            <a:r>
-              <a:rPr lang="zh-CN" altLang="en-US" dirty="0">
-                <a:latin typeface="黑体" panose="02010609060101010101" pitchFamily="49" charset="-122"/>
-                <a:ea typeface="黑体" panose="02010609060101010101" pitchFamily="49" charset="-122"/>
-              </a:rPr>
-              <a:t>，作者能及时的回答问题</a:t>
-            </a:r>
-            <a:endParaRPr lang="en-US" altLang="zh-CN" dirty="0">
+              <a:rPr lang="zh-CN" altLang="en-US" sz="2000" dirty="0">
+                <a:latin typeface="黑体" panose="02010609060101010101" pitchFamily="49" charset="-122"/>
+                <a:ea typeface="黑体" panose="02010609060101010101" pitchFamily="49" charset="-122"/>
+              </a:rPr>
+              <a:t>源码注释写的齐全</a:t>
+            </a:r>
+            <a:endParaRPr lang="en-US" altLang="zh-CN" sz="2000" dirty="0">
               <a:latin typeface="黑体" panose="02010609060101010101" pitchFamily="49" charset="-122"/>
               <a:ea typeface="黑体" panose="02010609060101010101" pitchFamily="49" charset="-122"/>
             </a:endParaRPr>
           </a:p>
+        </p:txBody>
+      </p:sp>
+      <p:sp>
+        <p:nvSpPr>
+          <p:cNvPr id="10" name="文本框 9"/>
+          <p:cNvSpPr txBox="1"/>
+          <p:nvPr/>
+        </p:nvSpPr>
+        <p:spPr>
+          <a:xfrm>
+            <a:off x="887277" y="1729948"/>
+            <a:ext cx="1648712" cy="481863"/>
+          </a:xfrm>
+          <a:prstGeom prst="rect">
+            <a:avLst/>
+          </a:prstGeom>
+          <a:noFill/>
+        </p:spPr>
+        <p:txBody>
+          <a:bodyPr wrap="square" rtlCol="0">
+            <a:spAutoFit/>
+          </a:bodyPr>
+          <a:lstStyle/>
           <a:p>
             <a:pPr>
               <a:lnSpc>
@@ -5531,47 +5657,6 @@
             </a:pPr>
             <a:r>
               <a:rPr lang="zh-CN" altLang="en-US" sz="2000" dirty="0">
-                <a:latin typeface="黑体" panose="02010609060101010101" pitchFamily="49" charset="-122"/>
-                <a:ea typeface="黑体" panose="02010609060101010101" pitchFamily="49" charset="-122"/>
-              </a:rPr>
-              <a:t>源码注释写的齐全</a:t>
-            </a:r>
-            <a:endParaRPr lang="en-US" altLang="zh-CN" sz="2000" dirty="0">
-              <a:latin typeface="黑体" panose="02010609060101010101" pitchFamily="49" charset="-122"/>
-              <a:ea typeface="黑体" panose="02010609060101010101" pitchFamily="49" charset="-122"/>
-            </a:endParaRPr>
-          </a:p>
-        </p:txBody>
-      </p:sp>
-      <p:sp>
-        <p:nvSpPr>
-          <p:cNvPr id="10" name="文本框 9"/>
-          <p:cNvSpPr txBox="1"/>
-          <p:nvPr/>
-        </p:nvSpPr>
-        <p:spPr>
-          <a:xfrm>
-            <a:off x="887277" y="1232990"/>
-            <a:ext cx="1648712" cy="481863"/>
-          </a:xfrm>
-          <a:prstGeom prst="rect">
-            <a:avLst/>
-          </a:prstGeom>
-          <a:noFill/>
-        </p:spPr>
-        <p:txBody>
-          <a:bodyPr wrap="square" rtlCol="0">
-            <a:spAutoFit/>
-          </a:bodyPr>
-          <a:lstStyle/>
-          <a:p>
-            <a:pPr>
-              <a:lnSpc>
-                <a:spcPct val="150000"/>
-              </a:lnSpc>
-            </a:pPr>
-            <a:r>
-              <a:rPr lang="zh-CN" altLang="en-US" sz="2000" dirty="0">
                 <a:solidFill>
                   <a:srgbClr val="B5203F"/>
                 </a:solidFill>
@@ -5591,7 +5676,7 @@
         </p:nvSpPr>
         <p:spPr>
           <a:xfrm>
-            <a:off x="1711632" y="4395084"/>
+            <a:off x="1711633" y="4456237"/>
             <a:ext cx="9460343" cy="1383456"/>
           </a:xfrm>
           <a:prstGeom prst="rect">
@@ -5790,7 +5875,7 @@
         </p:nvSpPr>
         <p:spPr>
           <a:xfrm>
-            <a:off x="3544997" y="200296"/>
+            <a:off x="3746639" y="376454"/>
             <a:ext cx="4698722" cy="584775"/>
           </a:xfrm>
           <a:prstGeom prst="rect">
@@ -5842,8 +5927,8 @@
         </p:nvSpPr>
         <p:spPr>
           <a:xfrm>
-            <a:off x="1711633" y="1232990"/>
-            <a:ext cx="9686680" cy="2122376"/>
+            <a:off x="1711633" y="1680255"/>
+            <a:ext cx="4384367" cy="2520370"/>
           </a:xfrm>
           <a:prstGeom prst="rect">
             <a:avLst/>
@@ -5979,29 +6064,6 @@
               <a:ea typeface="黑体" panose="02010609060101010101" pitchFamily="49" charset="-122"/>
             </a:endParaRPr>
           </a:p>
-        </p:txBody>
-      </p:sp>
-      <p:sp>
-        <p:nvSpPr>
-          <p:cNvPr id="10" name="文本框 9"/>
-          <p:cNvSpPr txBox="1"/>
-          <p:nvPr/>
-        </p:nvSpPr>
-        <p:spPr>
-          <a:xfrm>
-            <a:off x="887277" y="1232990"/>
-            <a:ext cx="1648712" cy="481863"/>
-          </a:xfrm>
-          <a:prstGeom prst="rect">
-            <a:avLst/>
-          </a:prstGeom>
-          <a:noFill/>
-        </p:spPr>
-        <p:txBody>
-          <a:bodyPr wrap="square" rtlCol="0">
-            <a:spAutoFit/>
-          </a:bodyPr>
-          <a:lstStyle/>
           <a:p>
             <a:pPr>
               <a:lnSpc>
@@ -6009,6 +6071,47 @@
               </a:lnSpc>
             </a:pPr>
             <a:r>
+              <a:rPr lang="zh-CN" altLang="en-US" dirty="0">
+                <a:latin typeface="黑体" panose="02010609060101010101" pitchFamily="49" charset="-122"/>
+                <a:ea typeface="黑体" panose="02010609060101010101" pitchFamily="49" charset="-122"/>
+              </a:rPr>
+              <a:t>活跃的社区，提供了大量的自定义模块</a:t>
+            </a:r>
+            <a:endParaRPr lang="en-US" altLang="zh-CN" dirty="0">
+              <a:latin typeface="黑体" panose="02010609060101010101" pitchFamily="49" charset="-122"/>
+              <a:ea typeface="黑体" panose="02010609060101010101" pitchFamily="49" charset="-122"/>
+            </a:endParaRPr>
+          </a:p>
+        </p:txBody>
+      </p:sp>
+      <p:sp>
+        <p:nvSpPr>
+          <p:cNvPr id="10" name="文本框 9"/>
+          <p:cNvSpPr txBox="1"/>
+          <p:nvPr/>
+        </p:nvSpPr>
+        <p:spPr>
+          <a:xfrm>
+            <a:off x="887277" y="1680255"/>
+            <a:ext cx="1648712" cy="481863"/>
+          </a:xfrm>
+          <a:prstGeom prst="rect">
+            <a:avLst/>
+          </a:prstGeom>
+          <a:noFill/>
+        </p:spPr>
+        <p:txBody>
+          <a:bodyPr wrap="square" rtlCol="0">
+            <a:spAutoFit/>
+          </a:bodyPr>
+          <a:lstStyle/>
+          <a:p>
+            <a:pPr>
+              <a:lnSpc>
+                <a:spcPct val="150000"/>
+              </a:lnSpc>
+            </a:pPr>
+            <a:r>
               <a:rPr lang="zh-CN" altLang="en-US" sz="2000" dirty="0">
                 <a:solidFill>
                   <a:srgbClr val="B5203F"/>
@@ -6060,6 +6163,66 @@
           </a:p>
         </p:txBody>
       </p:sp>
+      <p:pic>
+        <p:nvPicPr>
+          <p:cNvPr id="2" name="图片 1">
+            <a:extLst>
+              <a:ext uri="{FF2B5EF4-FFF2-40B4-BE49-F238E27FC236}">
+                <a16:creationId xmlns:a16="http://schemas.microsoft.com/office/drawing/2014/main" id="{E8CE579C-44BA-49E4-8178-A178A09EC8AC}"/>
+              </a:ext>
+            </a:extLst>
+          </p:cNvPr>
+          <p:cNvPicPr>
+            <a:picLocks noChangeAspect="1"/>
+          </p:cNvPicPr>
+          <p:nvPr/>
+        </p:nvPicPr>
+        <p:blipFill>
+          <a:blip r:embed="rId2"/>
+          <a:stretch>
+            <a:fillRect/>
+          </a:stretch>
+        </p:blipFill>
+        <p:spPr>
+          <a:xfrm>
+            <a:off x="6096001" y="1510748"/>
+            <a:ext cx="6087796" cy="2905692"/>
+          </a:xfrm>
+          <a:prstGeom prst="rect">
+            <a:avLst/>
+          </a:prstGeom>
+        </p:spPr>
+      </p:pic>
+      <p:pic>
+        <p:nvPicPr>
+          <p:cNvPr id="6" name="图片 5">
+            <a:extLst>
+              <a:ext uri="{FF2B5EF4-FFF2-40B4-BE49-F238E27FC236}">
+                <a16:creationId xmlns:a16="http://schemas.microsoft.com/office/drawing/2014/main" id="{CFAC4443-1A1A-4448-AAAD-79FE598DC2E8}"/>
+              </a:ext>
+            </a:extLst>
+          </p:cNvPr>
+          <p:cNvPicPr>
+            <a:picLocks noChangeAspect="1"/>
+          </p:cNvPicPr>
+          <p:nvPr/>
+        </p:nvPicPr>
+        <p:blipFill>
+          <a:blip r:embed="rId3"/>
+          <a:stretch>
+            <a:fillRect/>
+          </a:stretch>
+        </p:blipFill>
+        <p:spPr>
+          <a:xfrm>
+            <a:off x="6212705" y="4249564"/>
+            <a:ext cx="5545286" cy="1432790"/>
+          </a:xfrm>
+          <a:prstGeom prst="rect">
+            <a:avLst/>
+          </a:prstGeom>
+        </p:spPr>
+      </p:pic>
     </p:spTree>
     <p:extLst>
       <p:ext uri="{BB962C8B-B14F-4D97-AF65-F5344CB8AC3E}">
@@ -6098,7 +6261,7 @@
         </p:nvSpPr>
         <p:spPr>
           <a:xfrm>
-            <a:off x="4260220" y="236510"/>
+            <a:off x="4977745" y="379558"/>
             <a:ext cx="2236510" cy="584775"/>
           </a:xfrm>
           <a:prstGeom prst="rect">
@@ -6194,7 +6357,7 @@
                 <a:latin typeface="黑体" panose="02010609060101010101" pitchFamily="49" charset="-122"/>
                 <a:ea typeface="黑体" panose="02010609060101010101" pitchFamily="49" charset="-122"/>
               </a:rPr>
-              <a:t>6</a:t>
+              <a:t>5</a:t>
             </a:r>
             <a:r>
               <a:rPr lang="zh-CN" altLang="en-US" dirty="0">
@@ -6319,29 +6482,6 @@
               <a:t>工具栏</a:t>
             </a:r>
           </a:p>
-          <a:p>
-            <a:pPr marL="285750" indent="-285750">
-              <a:lnSpc>
-                <a:spcPct val="150000"/>
-              </a:lnSpc>
-              <a:buFont typeface="Arial" panose="020B0604020202020204" pitchFamily="34" charset="0"/>
-              <a:buChar char="•"/>
-            </a:pPr>
-            <a:r>
-              <a:rPr lang="en-US" altLang="zh-CN" dirty="0">
-                <a:latin typeface="黑体" panose="02010609060101010101" pitchFamily="49" charset="-122"/>
-                <a:ea typeface="黑体" panose="02010609060101010101" pitchFamily="49" charset="-122"/>
-              </a:rPr>
-              <a:t>Uploader </a:t>
-            </a:r>
-            <a:r>
-              <a:rPr lang="zh-CN" altLang="en-US" dirty="0">
-                <a:latin typeface="黑体" panose="02010609060101010101" pitchFamily="49" charset="-122"/>
-                <a:ea typeface="黑体" panose="02010609060101010101" pitchFamily="49" charset="-122"/>
-              </a:rPr>
-              <a:t>文件上传</a:t>
-            </a:r>
-          </a:p>
         </p:txBody>
       </p:sp>
       <p:sp>
@@ -6352,7 +6492,7 @@
         </p:nvSpPr>
         <p:spPr>
           <a:xfrm>
-            <a:off x="1142437" y="4579762"/>
+            <a:off x="1142437" y="4649335"/>
             <a:ext cx="9924631" cy="2031325"/>
           </a:xfrm>
           <a:prstGeom prst="rect">
@@ -6497,6 +6637,36 @@
           </a:p>
         </p:txBody>
       </p:sp>
+      <p:pic>
+        <p:nvPicPr>
+          <p:cNvPr id="5" name="图片 4">
+            <a:extLst>
+              <a:ext uri="{FF2B5EF4-FFF2-40B4-BE49-F238E27FC236}">
+                <a16:creationId xmlns:a16="http://schemas.microsoft.com/office/drawing/2014/main" id="{C6E904E1-2AC0-4E78-BE28-D7B3DA000CB3}"/>
+              </a:ext>
+            </a:extLst>
+          </p:cNvPr>
+          <p:cNvPicPr>
+            <a:picLocks noChangeAspect="1"/>
+          </p:cNvPicPr>
+          <p:nvPr/>
+        </p:nvPicPr>
+        <p:blipFill>
+          <a:blip r:embed="rId3"/>
+          <a:stretch>
+            <a:fillRect/>
+          </a:stretch>
+        </p:blipFill>
+        <p:spPr>
+          <a:xfrm>
+            <a:off x="5776943" y="1190625"/>
+            <a:ext cx="5066648" cy="2828176"/>
+          </a:xfrm>
+          <a:prstGeom prst="rect">
+            <a:avLst/>
+          </a:prstGeom>
+        </p:spPr>
+      </p:pic>
     </p:spTree>
     <p:extLst>
       <p:ext uri="{BB962C8B-B14F-4D97-AF65-F5344CB8AC3E}">
@@ -6535,8 +6705,8 @@
         </p:nvSpPr>
         <p:spPr>
           <a:xfrm>
-            <a:off x="4212142" y="192985"/>
-            <a:ext cx="3057247" cy="1354217"/>
+            <a:off x="3951823" y="380462"/>
+            <a:ext cx="4288353" cy="1354217"/>
           </a:xfrm>
           <a:prstGeom prst="rect">
             <a:avLst/>
@@ -6557,7 +6727,7 @@
                 <a:latin typeface="黑体" panose="02010609060101010101" pitchFamily="49" charset="-122"/>
                 <a:ea typeface="黑体" panose="02010609060101010101" pitchFamily="49" charset="-122"/>
               </a:rPr>
-              <a:t>Parchment/Blot</a:t>
+              <a:t>Parchment/Blot/Delta</a:t>
             </a:r>
           </a:p>
           <a:p>
@@ -6779,7 +6949,7 @@
         </p:nvSpPr>
         <p:spPr>
           <a:xfrm>
-            <a:off x="1421923" y="3282420"/>
+            <a:off x="1421923" y="2795403"/>
             <a:ext cx="6653768" cy="506292"/>
           </a:xfrm>
           <a:prstGeom prst="rect">
@@ -6824,7 +6994,7 @@
         </p:nvSpPr>
         <p:spPr>
           <a:xfrm>
-            <a:off x="1058574" y="3448806"/>
+            <a:off x="1058574" y="2961789"/>
             <a:ext cx="230293" cy="230293"/>
           </a:xfrm>
           <a:prstGeom prst="diamond">
@@ -6873,7 +7043,7 @@
         </p:nvSpPr>
         <p:spPr>
           <a:xfrm>
-            <a:off x="1421922" y="3948999"/>
+            <a:off x="1421922" y="3461982"/>
             <a:ext cx="10072849" cy="858377"/>
           </a:xfrm>
           <a:prstGeom prst="rect">
@@ -7001,10 +7171,251 @@
           </a:p>
         </p:txBody>
       </p:sp>
+      <p:sp>
+        <p:nvSpPr>
+          <p:cNvPr id="11" name="文本框 10">
+            <a:extLst>
+              <a:ext uri="{FF2B5EF4-FFF2-40B4-BE49-F238E27FC236}">
+                <a16:creationId xmlns:a16="http://schemas.microsoft.com/office/drawing/2014/main" id="{95A74256-1186-4272-BBB4-D19C317F217F}"/>
+              </a:ext>
+            </a:extLst>
+          </p:cNvPr>
+          <p:cNvSpPr txBox="1"/>
+          <p:nvPr/>
+        </p:nvSpPr>
+        <p:spPr>
+          <a:xfrm>
+            <a:off x="1421923" y="4560158"/>
+            <a:ext cx="6653768" cy="506292"/>
+          </a:xfrm>
+          <a:prstGeom prst="rect">
+            <a:avLst/>
+          </a:prstGeom>
+          <a:noFill/>
+        </p:spPr>
+        <p:txBody>
+          <a:bodyPr wrap="square" rtlCol="0">
+            <a:spAutoFit/>
+          </a:bodyPr>
+          <a:lstStyle>
+            <a:defPPr>
+              <a:defRPr lang="zh-CN"/>
+            </a:defPPr>
+            <a:lvl1pPr>
+              <a:lnSpc>
+                <a:spcPct val="150000"/>
+              </a:lnSpc>
+              <a:defRPr sz="2000" b="1"/>
+            </a:lvl1pPr>
+          </a:lstStyle>
+          <a:p>
+            <a:r>
+              <a:rPr lang="en-US" altLang="zh-CN" dirty="0"/>
+              <a:t>Delta</a:t>
+            </a:r>
+          </a:p>
+        </p:txBody>
+      </p:sp>
+      <p:sp>
+        <p:nvSpPr>
+          <p:cNvPr id="12" name="菱形 11">
+            <a:extLst>
+              <a:ext uri="{FF2B5EF4-FFF2-40B4-BE49-F238E27FC236}">
+                <a16:creationId xmlns:a16="http://schemas.microsoft.com/office/drawing/2014/main" id="{AF842BB0-2ECF-42DB-AF30-AEB5055271F3}"/>
+              </a:ext>
+            </a:extLst>
+          </p:cNvPr>
+          <p:cNvSpPr/>
+          <p:nvPr/>
+        </p:nvSpPr>
+        <p:spPr>
+          <a:xfrm>
+            <a:off x="1058574" y="4726544"/>
+            <a:ext cx="230293" cy="230293"/>
+          </a:xfrm>
+          <a:prstGeom prst="diamond">
+            <a:avLst/>
+          </a:prstGeom>
+          <a:solidFill>
+            <a:srgbClr val="3E3E3E"/>
+          </a:solidFill>
+        </p:spPr>
+        <p:style>
+          <a:lnRef idx="2">
+            <a:schemeClr val="accent1">
+              <a:shade val="50000"/>
+            </a:schemeClr>
+          </a:lnRef>
+          <a:fillRef idx="1">
+            <a:schemeClr val="accent1"/>
+          </a:fillRef>
+          <a:effectRef idx="0">
+            <a:schemeClr val="accent1"/>
+          </a:effectRef>
+          <a:fontRef idx="minor">
+            <a:schemeClr val="lt1"/>
+          </a:fontRef>
+        </p:style>
+        <p:txBody>
+          <a:bodyPr rtlCol="0" anchor="ctr"/>
+          <a:lstStyle/>
+          <a:p>
+            <a:pPr algn="ctr"/>
+            <a:endParaRPr lang="zh-CN" altLang="en-US"/>
+          </a:p>
+        </p:txBody>
+      </p:sp>
+      <p:sp>
+        <p:nvSpPr>
+          <p:cNvPr id="13" name="文本框 12">
+            <a:extLst>
+              <a:ext uri="{FF2B5EF4-FFF2-40B4-BE49-F238E27FC236}">
+                <a16:creationId xmlns:a16="http://schemas.microsoft.com/office/drawing/2014/main" id="{F2CEF4AB-3270-4B41-801F-31CA92583F5F}"/>
+              </a:ext>
+            </a:extLst>
+          </p:cNvPr>
+          <p:cNvSpPr txBox="1"/>
+          <p:nvPr/>
+        </p:nvSpPr>
+        <p:spPr>
+          <a:xfrm>
+            <a:off x="1421922" y="5226737"/>
+            <a:ext cx="10072849" cy="858377"/>
+          </a:xfrm>
+          <a:prstGeom prst="rect">
+            <a:avLst/>
+          </a:prstGeom>
+          <a:noFill/>
+        </p:spPr>
+        <p:txBody>
+          <a:bodyPr wrap="square" rtlCol="0">
+            <a:spAutoFit/>
+          </a:bodyPr>
+          <a:lstStyle/>
+          <a:p>
+            <a:pPr>
+              <a:lnSpc>
+                <a:spcPct val="150000"/>
+              </a:lnSpc>
+            </a:pPr>
+            <a:r>
+              <a:rPr lang="en-US" altLang="zh-CN" dirty="0">
+                <a:latin typeface="黑体" panose="02010609060101010101" pitchFamily="49" charset="-122"/>
+                <a:ea typeface="黑体" panose="02010609060101010101" pitchFamily="49" charset="-122"/>
+              </a:rPr>
+              <a:t>Delta</a:t>
+            </a:r>
+            <a:r>
+              <a:rPr lang="zh-CN" altLang="en-US" dirty="0">
+                <a:latin typeface="黑体" panose="02010609060101010101" pitchFamily="49" charset="-122"/>
+                <a:ea typeface="黑体" panose="02010609060101010101" pitchFamily="49" charset="-122"/>
+              </a:rPr>
+              <a:t>被用做描述</a:t>
+            </a:r>
+            <a:r>
+              <a:rPr lang="en-US" altLang="zh-CN" dirty="0">
+                <a:latin typeface="黑体" panose="02010609060101010101" pitchFamily="49" charset="-122"/>
+                <a:ea typeface="黑体" panose="02010609060101010101" pitchFamily="49" charset="-122"/>
+              </a:rPr>
+              <a:t>Quill</a:t>
+            </a:r>
+            <a:r>
+              <a:rPr lang="zh-CN" altLang="en-US" dirty="0">
+                <a:latin typeface="黑体" panose="02010609060101010101" pitchFamily="49" charset="-122"/>
+                <a:ea typeface="黑体" panose="02010609060101010101" pitchFamily="49" charset="-122"/>
+              </a:rPr>
+              <a:t>编辑器的内容和变化，简单但表达力强的数据格式。这种格式本质上是一种</a:t>
+            </a:r>
+            <a:r>
+              <a:rPr lang="en-US" altLang="zh-CN" dirty="0">
+                <a:latin typeface="黑体" panose="02010609060101010101" pitchFamily="49" charset="-122"/>
+                <a:ea typeface="黑体" panose="02010609060101010101" pitchFamily="49" charset="-122"/>
+              </a:rPr>
+              <a:t>JSON</a:t>
+            </a:r>
+            <a:r>
+              <a:rPr lang="zh-CN" altLang="en-US" dirty="0">
+                <a:latin typeface="黑体" panose="02010609060101010101" pitchFamily="49" charset="-122"/>
+                <a:ea typeface="黑体" panose="02010609060101010101" pitchFamily="49" charset="-122"/>
+              </a:rPr>
+              <a:t>格式，人类可读同时及其也能容易识别</a:t>
+            </a:r>
+            <a:endParaRPr lang="en-US" altLang="zh-CN" dirty="0">
+              <a:latin typeface="黑体" panose="02010609060101010101" pitchFamily="49" charset="-122"/>
+              <a:ea typeface="黑体" panose="02010609060101010101" pitchFamily="49" charset="-122"/>
+            </a:endParaRPr>
+          </a:p>
+        </p:txBody>
+      </p:sp>
     </p:spTree>
     <p:extLst>
       <p:ext uri="{BB962C8B-B14F-4D97-AF65-F5344CB8AC3E}">
-        <p14:creationId xmlns:p14="http://schemas.microsoft.com/office/powerpoint/2010/main" val="733164541"/>
+        <p14:creationId xmlns:p14="http://schemas.microsoft.com/office/powerpoint/2010/main" val="1245343312"/>
+      </p:ext>
+    </p:extLst>
+  </p:cSld>
+  <p:clrMapOvr>
+    <a:masterClrMapping/>
+  </p:clrMapOvr>
+</p:sld>
+</file>
+
+<file path=ppt/slides/slide19.xml><?xml version="1.0" encoding="utf-8"?>
+<p:sld xmlns:a="http://schemas.openxmlformats.org/drawingml/2006/main" xmlns:r="http://schemas.openxmlformats.org/officeDocument/2006/relationships" xmlns:p="http://schemas.openxmlformats.org/presentationml/2006/main">
+  <p:cSld>
+    <p:spTree>
+      <p:nvGrpSpPr>
+        <p:cNvPr id="1" name=""/>
+        <p:cNvGrpSpPr/>
+        <p:nvPr/>
+      </p:nvGrpSpPr>
+      <p:grpSpPr>
+        <a:xfrm>
+          <a:off x="0" y="0"/>
+          <a:ext cx="0" cy="0"/>
+          <a:chOff x="0" y="0"/>
+          <a:chExt cx="0" cy="0"/>
+        </a:xfrm>
+      </p:grpSpPr>
+      <p:sp>
+        <p:nvSpPr>
+          <p:cNvPr id="4" name="文本框 3"/>
+          <p:cNvSpPr txBox="1"/>
+          <p:nvPr/>
+        </p:nvSpPr>
+        <p:spPr>
+          <a:xfrm>
+            <a:off x="4977745" y="2064844"/>
+            <a:ext cx="2236510" cy="707886"/>
+          </a:xfrm>
+          <a:prstGeom prst="rect">
+            <a:avLst/>
+          </a:prstGeom>
+          <a:noFill/>
+        </p:spPr>
+        <p:txBody>
+          <a:bodyPr wrap="none" rtlCol="0">
+            <a:spAutoFit/>
+          </a:bodyPr>
+          <a:lstStyle/>
+          <a:p>
+            <a:r>
+              <a:rPr lang="zh-CN" altLang="en-US" sz="4000" dirty="0">
+                <a:solidFill>
+                  <a:srgbClr val="B5203F"/>
+                </a:solidFill>
+                <a:latin typeface="黑体" panose="02010609060101010101" pitchFamily="49" charset="-122"/>
+                <a:ea typeface="黑体" panose="02010609060101010101" pitchFamily="49" charset="-122"/>
+              </a:rPr>
+              <a:t>谢谢观看</a:t>
+            </a:r>
+          </a:p>
+        </p:txBody>
+      </p:sp>
+    </p:spTree>
+    <p:extLst>
+      <p:ext uri="{BB962C8B-B14F-4D97-AF65-F5344CB8AC3E}">
+        <p14:creationId xmlns:p14="http://schemas.microsoft.com/office/powerpoint/2010/main" val="3887732224"/>
       </p:ext>
     </p:extLst>
   </p:cSld>
@@ -7039,7 +7450,7 @@
         </p:nvSpPr>
         <p:spPr>
           <a:xfrm>
-            <a:off x="3727967" y="227456"/>
+            <a:off x="3747845" y="376541"/>
             <a:ext cx="4698722" cy="584775"/>
           </a:xfrm>
           <a:prstGeom prst="rect">
@@ -7082,7 +7493,7 @@
         </p:blipFill>
         <p:spPr>
           <a:xfrm>
-            <a:off x="605008" y="1158843"/>
+            <a:off x="605008" y="1268172"/>
             <a:ext cx="5472320" cy="5237429"/>
           </a:xfrm>
           <a:prstGeom prst="rect">
@@ -7106,7 +7517,7 @@
         </p:blipFill>
         <p:spPr>
           <a:xfrm>
-            <a:off x="7059434" y="1213163"/>
+            <a:off x="7059434" y="1322492"/>
             <a:ext cx="2985037" cy="5183109"/>
           </a:xfrm>
           <a:prstGeom prst="rect">
@@ -7152,7 +7563,7 @@
         </p:nvSpPr>
         <p:spPr>
           <a:xfrm>
-            <a:off x="5103222" y="200296"/>
+            <a:off x="5592294" y="381821"/>
             <a:ext cx="1005403" cy="584775"/>
           </a:xfrm>
           <a:prstGeom prst="rect">
@@ -7533,7 +7944,7 @@
         </p:nvSpPr>
         <p:spPr>
           <a:xfrm>
-            <a:off x="5103222" y="200296"/>
+            <a:off x="5182929" y="379200"/>
             <a:ext cx="1826141" cy="584775"/>
           </a:xfrm>
           <a:prstGeom prst="rect">
@@ -7568,7 +7979,7 @@
         </p:nvSpPr>
         <p:spPr>
           <a:xfrm>
-            <a:off x="1421922" y="1569719"/>
+            <a:off x="1421922" y="1848015"/>
             <a:ext cx="7750840" cy="400110"/>
           </a:xfrm>
           <a:prstGeom prst="rect">
@@ -7660,7 +8071,7 @@
         </p:nvSpPr>
         <p:spPr>
           <a:xfrm>
-            <a:off x="1058574" y="1654628"/>
+            <a:off x="1058574" y="1932924"/>
             <a:ext cx="230293" cy="230293"/>
           </a:xfrm>
           <a:prstGeom prst="diamond">
@@ -7703,7 +8114,7 @@
         </p:nvSpPr>
         <p:spPr>
           <a:xfrm>
-            <a:off x="1421922" y="2174964"/>
+            <a:off x="1421922" y="2532772"/>
             <a:ext cx="3134191" cy="400110"/>
           </a:xfrm>
           <a:prstGeom prst="rect">
@@ -7758,7 +8169,7 @@
         </p:nvSpPr>
         <p:spPr>
           <a:xfrm>
-            <a:off x="1058574" y="2259873"/>
+            <a:off x="1058574" y="2617681"/>
             <a:ext cx="230293" cy="230293"/>
           </a:xfrm>
           <a:prstGeom prst="diamond">
@@ -7831,7 +8242,7 @@
         </p:nvSpPr>
         <p:spPr>
           <a:xfrm>
-            <a:off x="4336868" y="182879"/>
+            <a:off x="4466075" y="381659"/>
             <a:ext cx="3262432" cy="584775"/>
           </a:xfrm>
           <a:prstGeom prst="rect">
@@ -8305,7 +8716,7 @@
         </p:nvSpPr>
         <p:spPr>
           <a:xfrm>
-            <a:off x="5103222" y="200296"/>
+            <a:off x="4983954" y="378239"/>
             <a:ext cx="2236510" cy="584775"/>
           </a:xfrm>
           <a:prstGeom prst="rect">
@@ -8348,7 +8759,7 @@
         </p:blipFill>
         <p:spPr>
           <a:xfrm>
-            <a:off x="167799" y="1170979"/>
+            <a:off x="167799" y="1379698"/>
             <a:ext cx="6224292" cy="4845902"/>
           </a:xfrm>
           <a:prstGeom prst="rect">
@@ -8372,7 +8783,7 @@
         </p:blipFill>
         <p:spPr>
           <a:xfrm>
-            <a:off x="6465313" y="1170979"/>
+            <a:off x="6465313" y="1389637"/>
             <a:ext cx="5571746" cy="1490118"/>
           </a:xfrm>
           <a:prstGeom prst="rect">
@@ -8418,7 +8829,7 @@
         </p:nvSpPr>
         <p:spPr>
           <a:xfrm>
-            <a:off x="5103222" y="200296"/>
+            <a:off x="5285521" y="377084"/>
             <a:ext cx="1620957" cy="584775"/>
           </a:xfrm>
           <a:prstGeom prst="rect">
@@ -8471,7 +8882,7 @@
         <p:spPr>
           <a:xfrm>
             <a:off x="873288" y="1526174"/>
-            <a:ext cx="11013911" cy="707886"/>
+            <a:ext cx="11013911" cy="400110"/>
           </a:xfrm>
           <a:prstGeom prst="rect">
             <a:avLst/>
@@ -8512,7 +8923,7 @@
                 <a:latin typeface="黑体" panose="02010609060101010101" pitchFamily="49" charset="-122"/>
                 <a:ea typeface="黑体" panose="02010609060101010101" pitchFamily="49" charset="-122"/>
               </a:rPr>
-              <a:t>返回布尔值，用于检测是否可以针对当前选择的文本或当前光标位置执行某个命令；</a:t>
+              <a:t>用于检测是否可以针对当前选择的文本或当前光标位置执行某个命令；</a:t>
             </a:r>
           </a:p>
         </p:txBody>
@@ -9008,8 +9419,8 @@
         </p:nvSpPr>
         <p:spPr>
           <a:xfrm>
-            <a:off x="3541454" y="184911"/>
-            <a:ext cx="5109091" cy="584775"/>
+            <a:off x="3442064" y="373752"/>
+            <a:ext cx="5314275" cy="584775"/>
           </a:xfrm>
           <a:prstGeom prst="rect">
             <a:avLst/>
@@ -9060,17 +9471,7 @@
                 <a:latin typeface="黑体" panose="02010609060101010101" pitchFamily="49" charset="-122"/>
                 <a:ea typeface="黑体" panose="02010609060101010101" pitchFamily="49" charset="-122"/>
               </a:rPr>
-              <a:t>Range/</a:t>
-            </a:r>
-            <a:r>
-              <a:rPr lang="en-US" altLang="zh-CN" sz="3200" dirty="0" err="1">
-                <a:solidFill>
-                  <a:srgbClr val="B5203F"/>
-                </a:solidFill>
-                <a:latin typeface="黑体" panose="02010609060101010101" pitchFamily="49" charset="-122"/>
-                <a:ea typeface="黑体" panose="02010609060101010101" pitchFamily="49" charset="-122"/>
-              </a:rPr>
-              <a:t>Seletion</a:t>
+              <a:t>Range/Selection</a:t>
             </a:r>
             <a:endParaRPr lang="zh-CN" altLang="en-US" sz="3200" dirty="0">
               <a:solidFill>
@@ -9091,7 +9492,7 @@
         <p:spPr>
           <a:xfrm>
             <a:off x="733944" y="1291035"/>
-            <a:ext cx="10059164" cy="1323439"/>
+            <a:ext cx="11085086" cy="1015663"/>
           </a:xfrm>
           <a:prstGeom prst="rect">
             <a:avLst/>
@@ -9105,6 +9506,26 @@
           <a:lstStyle/>
           <a:p>
             <a:r>
+              <a:rPr lang="en-US" altLang="zh-CN" sz="2000" dirty="0">
+                <a:solidFill>
+                  <a:srgbClr val="3E3E3E"/>
+                </a:solidFill>
+                <a:latin typeface="黑体" panose="02010609060101010101" pitchFamily="49" charset="-122"/>
+                <a:ea typeface="黑体" panose="02010609060101010101" pitchFamily="49" charset="-122"/>
+              </a:rPr>
+              <a:t>Selection</a:t>
+            </a:r>
+            <a:r>
+              <a:rPr lang="zh-CN" altLang="en-US" sz="2000" dirty="0">
+                <a:solidFill>
+                  <a:srgbClr val="3E3E3E"/>
+                </a:solidFill>
+                <a:latin typeface="黑体" panose="02010609060101010101" pitchFamily="49" charset="-122"/>
+                <a:ea typeface="黑体" panose="02010609060101010101" pitchFamily="49" charset="-122"/>
+              </a:rPr>
+              <a:t>对象 代表当前激活选中区，通过</a:t>
+            </a:r>
+            <a:r>
               <a:rPr lang="en-US" altLang="zh-CN" sz="2000" dirty="0" err="1">
                 <a:solidFill>
                   <a:srgbClr val="3E3E3E"/>
@@ -9112,40 +9533,18 @@
                 <a:latin typeface="黑体" panose="02010609060101010101" pitchFamily="49" charset="-122"/>
                 <a:ea typeface="黑体" panose="02010609060101010101" pitchFamily="49" charset="-122"/>
               </a:rPr>
-              <a:t>Seletion</a:t>
-            </a:r>
-            <a:r>
-              <a:rPr lang="zh-CN" altLang="en-US" sz="2000" dirty="0">
+              <a:t>window.getSelection</a:t>
+            </a:r>
+            <a:r>
+              <a:rPr lang="en-US" altLang="zh-CN" sz="2000" dirty="0">
                 <a:solidFill>
                   <a:srgbClr val="3E3E3E"/>
                 </a:solidFill>
                 <a:latin typeface="黑体" panose="02010609060101010101" pitchFamily="49" charset="-122"/>
                 <a:ea typeface="黑体" panose="02010609060101010101" pitchFamily="49" charset="-122"/>
               </a:rPr>
-              <a:t>对象是指用户选中的文本范围或鼠标的当前位置，通过</a:t>
-            </a:r>
-            <a:r>
-              <a:rPr lang="en-US" altLang="zh-CN" sz="2000" dirty="0" err="1">
-                <a:solidFill>
-                  <a:srgbClr val="3E3E3E"/>
-                </a:solidFill>
-                <a:latin typeface="黑体" panose="02010609060101010101" pitchFamily="49" charset="-122"/>
-                <a:ea typeface="黑体" panose="02010609060101010101" pitchFamily="49" charset="-122"/>
-              </a:rPr>
-              <a:t>window.getSelection</a:t>
-            </a:r>
-            <a:r>
-              <a:rPr lang="en-US" altLang="zh-CN" sz="2000" dirty="0">
-                <a:solidFill>
-                  <a:srgbClr val="3E3E3E"/>
-                </a:solidFill>
-                <a:latin typeface="黑体" panose="02010609060101010101" pitchFamily="49" charset="-122"/>
-                <a:ea typeface="黑体" panose="02010609060101010101" pitchFamily="49" charset="-122"/>
-              </a:rPr>
-              <a:t>()</a:t>
-            </a:r>
-          </a:p>
-          <a:p>
+              <a:t>() </a:t>
+            </a:r>
             <a:r>
               <a:rPr lang="zh-CN" altLang="en-US" sz="2000" dirty="0">
                 <a:solidFill>
@@ -9192,7 +9591,7 @@
                 <a:latin typeface="黑体" panose="02010609060101010101" pitchFamily="49" charset="-122"/>
                 <a:ea typeface="黑体" panose="02010609060101010101" pitchFamily="49" charset="-122"/>
               </a:rPr>
-              <a:t>对象是光标对象，通过</a:t>
+              <a:t>对象 代表一个连续的选中区域，通过</a:t>
             </a:r>
             <a:r>
               <a:rPr lang="en-US" altLang="zh-CN" sz="2000" dirty="0" err="1">
@@ -9299,7 +9698,7 @@
         <p:spPr>
           <a:xfrm>
             <a:off x="733944" y="3101733"/>
-            <a:ext cx="3262432" cy="707886"/>
+            <a:ext cx="3390672" cy="707886"/>
           </a:xfrm>
           <a:prstGeom prst="rect">
             <a:avLst/>
@@ -9313,14 +9712,14 @@
           <a:lstStyle/>
           <a:p>
             <a:r>
-              <a:rPr lang="en-US" altLang="zh-CN" sz="2000" dirty="0" err="1">
+              <a:rPr lang="en-US" altLang="zh-CN" sz="2000" dirty="0">
                 <a:solidFill>
                   <a:srgbClr val="3E3E3E"/>
                 </a:solidFill>
                 <a:latin typeface="黑体" panose="02010609060101010101" pitchFamily="49" charset="-122"/>
                 <a:ea typeface="黑体" panose="02010609060101010101" pitchFamily="49" charset="-122"/>
               </a:rPr>
-              <a:t>Seletion</a:t>
+              <a:t>Selection</a:t>
             </a:r>
             <a:r>
               <a:rPr lang="zh-CN" altLang="en-US" sz="2000" dirty="0">
@@ -9761,7 +10160,7 @@
         </p:nvSpPr>
         <p:spPr>
           <a:xfrm>
-            <a:off x="4658578" y="200296"/>
+            <a:off x="4668517" y="379198"/>
             <a:ext cx="2852063" cy="584775"/>
           </a:xfrm>
           <a:prstGeom prst="rect">
@@ -9856,7 +10255,7 @@
         </p:nvSpPr>
         <p:spPr>
           <a:xfrm>
-            <a:off x="1058574" y="1654628"/>
+            <a:off x="1058574" y="1697238"/>
             <a:ext cx="230293" cy="230293"/>
           </a:xfrm>
           <a:prstGeom prst="diamond">

--- a/富文本编辑器初探(1)/富文本编辑器初探(1).pptx
+++ b/富文本编辑器初探(1)/富文本编辑器初探(1).pptx
@@ -3589,7 +3589,7 @@
         </p:nvSpPr>
         <p:spPr>
           <a:xfrm>
-            <a:off x="4336868" y="2325188"/>
+            <a:off x="3956862" y="2325188"/>
             <a:ext cx="4288353" cy="707886"/>
           </a:xfrm>
           <a:prstGeom prst="rect">
@@ -3624,7 +3624,7 @@
         </p:nvSpPr>
         <p:spPr>
           <a:xfrm>
-            <a:off x="5375613" y="3169921"/>
+            <a:off x="5102481" y="3169921"/>
             <a:ext cx="1980029" cy="400110"/>
           </a:xfrm>
           <a:prstGeom prst="rect">
@@ -4096,6 +4096,10 @@
             <a:br>
               <a:rPr lang="zh-CN" altLang="en-US" dirty="0"/>
             </a:br>
+            <a:r>
+              <a:rPr lang="en-US" altLang="zh-CN" dirty="0"/>
+              <a:t/>
+            </a:r>
             <a:br>
               <a:rPr lang="en-US" altLang="zh-CN" dirty="0"/>
             </a:br>
@@ -4590,7 +4594,7 @@
         </p:nvSpPr>
         <p:spPr>
           <a:xfrm>
-            <a:off x="3544997" y="200296"/>
+            <a:off x="3544997" y="378424"/>
             <a:ext cx="5109091" cy="584775"/>
           </a:xfrm>
           <a:prstGeom prst="rect">
@@ -4653,7 +4657,7 @@
         <p:spPr>
           <a:xfrm>
             <a:off x="1711633" y="1232990"/>
-            <a:ext cx="7965767" cy="3713517"/>
+            <a:ext cx="7965767" cy="2862322"/>
           </a:xfrm>
           <a:prstGeom prst="rect">
             <a:avLst/>
@@ -4703,27 +4707,20 @@
               </a:lnSpc>
             </a:pPr>
             <a:r>
-              <a:rPr lang="zh-CN" altLang="en-US" sz="2000" dirty="0">
-                <a:latin typeface="黑体" panose="02010609060101010101" pitchFamily="49" charset="-122"/>
-                <a:ea typeface="黑体" panose="02010609060101010101" pitchFamily="49" charset="-122"/>
-              </a:rPr>
-              <a:t>界面相当清新，最接近</a:t>
-            </a:r>
-            <a:r>
-              <a:rPr lang="en-US" altLang="zh-CN" sz="2000" dirty="0">
-                <a:latin typeface="黑体" panose="02010609060101010101" pitchFamily="49" charset="-122"/>
-                <a:ea typeface="黑体" panose="02010609060101010101" pitchFamily="49" charset="-122"/>
-              </a:rPr>
-              <a:t>Word</a:t>
-            </a:r>
-            <a:r>
-              <a:rPr lang="zh-CN" altLang="en-US" sz="2000" dirty="0">
-                <a:latin typeface="黑体" panose="02010609060101010101" pitchFamily="49" charset="-122"/>
-                <a:ea typeface="黑体" panose="02010609060101010101" pitchFamily="49" charset="-122"/>
-              </a:rPr>
-              <a:t>的富文本编辑器</a:t>
-            </a:r>
-            <a:endParaRPr lang="en-US" altLang="zh-CN" sz="2000" dirty="0">
+              <a:rPr lang="zh-CN" altLang="en-US" sz="2000" dirty="0" smtClean="0">
+                <a:latin typeface="黑体" panose="02010609060101010101" pitchFamily="49" charset="-122"/>
+                <a:ea typeface="黑体" panose="02010609060101010101" pitchFamily="49" charset="-122"/>
+              </a:rPr>
+              <a:t>官网提供的</a:t>
+            </a:r>
+            <a:r>
+              <a:rPr lang="zh-CN" altLang="en-US" sz="2000" dirty="0" smtClean="0">
+                <a:latin typeface="黑体" panose="02010609060101010101" pitchFamily="49" charset="-122"/>
+                <a:ea typeface="黑体" panose="02010609060101010101" pitchFamily="49" charset="-122"/>
+              </a:rPr>
+              <a:t>文档清晰；</a:t>
+            </a:r>
+            <a:endParaRPr lang="en-US" altLang="zh-CN" sz="2000" dirty="0" smtClean="0">
               <a:latin typeface="黑体" panose="02010609060101010101" pitchFamily="49" charset="-122"/>
               <a:ea typeface="黑体" panose="02010609060101010101" pitchFamily="49" charset="-122"/>
             </a:endParaRPr>
@@ -4735,27 +4732,27 @@
               </a:lnSpc>
             </a:pPr>
             <a:r>
+              <a:rPr lang="zh-CN" altLang="en-US" sz="2000" dirty="0" smtClean="0">
+                <a:latin typeface="黑体" panose="02010609060101010101" pitchFamily="49" charset="-122"/>
+                <a:ea typeface="黑体" panose="02010609060101010101" pitchFamily="49" charset="-122"/>
+              </a:rPr>
+              <a:t>拥有</a:t>
+            </a:r>
+            <a:r>
               <a:rPr lang="zh-CN" altLang="en-US" sz="2000" dirty="0">
                 <a:latin typeface="黑体" panose="02010609060101010101" pitchFamily="49" charset="-122"/>
                 <a:ea typeface="黑体" panose="02010609060101010101" pitchFamily="49" charset="-122"/>
               </a:rPr>
-              <a:t>提供的开发拓展</a:t>
-            </a:r>
-            <a:r>
-              <a:rPr lang="en-US" altLang="zh-CN" sz="2000" dirty="0">
-                <a:latin typeface="黑体" panose="02010609060101010101" pitchFamily="49" charset="-122"/>
-                <a:ea typeface="黑体" panose="02010609060101010101" pitchFamily="49" charset="-122"/>
-              </a:rPr>
-              <a:t>API</a:t>
-            </a:r>
-            <a:r>
-              <a:rPr lang="zh-CN" altLang="en-US" sz="2000" dirty="0">
-                <a:latin typeface="黑体" panose="02010609060101010101" pitchFamily="49" charset="-122"/>
-                <a:ea typeface="黑体" panose="02010609060101010101" pitchFamily="49" charset="-122"/>
-              </a:rPr>
-              <a:t>也比较简单，文档清晰；</a:t>
-            </a:r>
-            <a:endParaRPr lang="en-US" altLang="zh-CN" sz="2000" dirty="0">
+              <a:t>可定制的</a:t>
+            </a:r>
+            <a:r>
+              <a:rPr lang="zh-CN" altLang="en-US" sz="2000" dirty="0" smtClean="0">
+                <a:latin typeface="黑体" panose="02010609060101010101" pitchFamily="49" charset="-122"/>
+                <a:ea typeface="黑体" panose="02010609060101010101" pitchFamily="49" charset="-122"/>
+              </a:rPr>
+              <a:t>主题</a:t>
+            </a:r>
+            <a:endParaRPr lang="en-US" altLang="zh-CN" sz="2000" dirty="0" smtClean="0">
               <a:latin typeface="黑体" panose="02010609060101010101" pitchFamily="49" charset="-122"/>
               <a:ea typeface="黑体" panose="02010609060101010101" pitchFamily="49" charset="-122"/>
             </a:endParaRPr>
@@ -4767,13 +4764,27 @@
               </a:lnSpc>
             </a:pPr>
             <a:r>
+              <a:rPr lang="zh-CN" altLang="en-US" sz="2000" dirty="0" smtClean="0">
+                <a:latin typeface="黑体" panose="02010609060101010101" pitchFamily="49" charset="-122"/>
+                <a:ea typeface="黑体" panose="02010609060101010101" pitchFamily="49" charset="-122"/>
+              </a:rPr>
+              <a:t>国际化</a:t>
+            </a:r>
+            <a:r>
               <a:rPr lang="zh-CN" altLang="en-US" sz="2000" dirty="0">
                 <a:latin typeface="黑体" panose="02010609060101010101" pitchFamily="49" charset="-122"/>
                 <a:ea typeface="黑体" panose="02010609060101010101" pitchFamily="49" charset="-122"/>
               </a:rPr>
-              <a:t>拥有可定制的主题</a:t>
-            </a:r>
-            <a:endParaRPr lang="en-US" altLang="zh-CN" sz="2000" dirty="0">
+              <a:t>做的很好，支持上百种</a:t>
+            </a:r>
+            <a:r>
+              <a:rPr lang="zh-CN" altLang="en-US" sz="2000" dirty="0" smtClean="0">
+                <a:latin typeface="黑体" panose="02010609060101010101" pitchFamily="49" charset="-122"/>
+                <a:ea typeface="黑体" panose="02010609060101010101" pitchFamily="49" charset="-122"/>
+              </a:rPr>
+              <a:t>语言</a:t>
+            </a:r>
+            <a:endParaRPr lang="en-US" altLang="zh-CN" sz="2000" dirty="0" smtClean="0">
               <a:latin typeface="黑体" panose="02010609060101010101" pitchFamily="49" charset="-122"/>
               <a:ea typeface="黑体" panose="02010609060101010101" pitchFamily="49" charset="-122"/>
             </a:endParaRPr>
@@ -4789,7 +4800,42 @@
                 <a:latin typeface="黑体" panose="02010609060101010101" pitchFamily="49" charset="-122"/>
                 <a:ea typeface="黑体" panose="02010609060101010101" pitchFamily="49" charset="-122"/>
               </a:rPr>
-              <a:t>支持目前流行的各种浏览器</a:t>
+              <a:t>界面相当</a:t>
+            </a:r>
+            <a:r>
+              <a:rPr lang="zh-CN" altLang="en-US" sz="2000" dirty="0" smtClean="0">
+                <a:latin typeface="黑体" panose="02010609060101010101" pitchFamily="49" charset="-122"/>
+                <a:ea typeface="黑体" panose="02010609060101010101" pitchFamily="49" charset="-122"/>
+              </a:rPr>
+              <a:t>清新，功能强大，最</a:t>
+            </a:r>
+            <a:r>
+              <a:rPr lang="zh-CN" altLang="en-US" sz="2000" dirty="0">
+                <a:latin typeface="黑体" panose="02010609060101010101" pitchFamily="49" charset="-122"/>
+                <a:ea typeface="黑体" panose="02010609060101010101" pitchFamily="49" charset="-122"/>
+              </a:rPr>
+              <a:t>接近</a:t>
+            </a:r>
+            <a:r>
+              <a:rPr lang="en-US" altLang="zh-CN" sz="2000" dirty="0">
+                <a:latin typeface="黑体" panose="02010609060101010101" pitchFamily="49" charset="-122"/>
+                <a:ea typeface="黑体" panose="02010609060101010101" pitchFamily="49" charset="-122"/>
+              </a:rPr>
+              <a:t>Word</a:t>
+            </a:r>
+            <a:r>
+              <a:rPr lang="zh-CN" altLang="en-US" sz="2000" dirty="0">
+                <a:latin typeface="黑体" panose="02010609060101010101" pitchFamily="49" charset="-122"/>
+                <a:ea typeface="黑体" panose="02010609060101010101" pitchFamily="49" charset="-122"/>
+              </a:rPr>
+              <a:t>的富文本</a:t>
+            </a:r>
+            <a:r>
+              <a:rPr lang="zh-CN" altLang="en-US" sz="2000" dirty="0" smtClean="0">
+                <a:latin typeface="黑体" panose="02010609060101010101" pitchFamily="49" charset="-122"/>
+                <a:ea typeface="黑体" panose="02010609060101010101" pitchFamily="49" charset="-122"/>
+              </a:rPr>
+              <a:t>编辑器</a:t>
             </a:r>
             <a:endParaRPr lang="en-US" altLang="zh-CN" sz="2000" dirty="0">
               <a:latin typeface="黑体" panose="02010609060101010101" pitchFamily="49" charset="-122"/>
@@ -4816,35 +4862,6 @@
               </a:rPr>
               <a:t>的编辑器</a:t>
             </a:r>
-            <a:endParaRPr lang="en-US" altLang="zh-CN" sz="2000" dirty="0">
-              <a:latin typeface="黑体" panose="02010609060101010101" pitchFamily="49" charset="-122"/>
-              <a:ea typeface="黑体" panose="02010609060101010101" pitchFamily="49" charset="-122"/>
-            </a:endParaRPr>
-          </a:p>
-          <a:p>
-            <a:pPr>
-              <a:lnSpc>
-                <a:spcPct val="150000"/>
-              </a:lnSpc>
-            </a:pPr>
-            <a:r>
-              <a:rPr lang="zh-CN" altLang="en-US" sz="2000" dirty="0">
-                <a:latin typeface="黑体" panose="02010609060101010101" pitchFamily="49" charset="-122"/>
-                <a:ea typeface="黑体" panose="02010609060101010101" pitchFamily="49" charset="-122"/>
-              </a:rPr>
-              <a:t>国际化做的很好，支持上百种语言</a:t>
-            </a:r>
-            <a:endParaRPr lang="en-US" altLang="zh-CN" sz="2000" dirty="0">
-              <a:latin typeface="黑体" panose="02010609060101010101" pitchFamily="49" charset="-122"/>
-              <a:ea typeface="黑体" panose="02010609060101010101" pitchFamily="49" charset="-122"/>
-            </a:endParaRPr>
-          </a:p>
-          <a:p>
-            <a:pPr>
-              <a:lnSpc>
-                <a:spcPct val="150000"/>
-              </a:lnSpc>
-            </a:pPr>
             <a:endParaRPr lang="en-US" altLang="zh-CN" sz="2000" dirty="0">
               <a:latin typeface="黑体" panose="02010609060101010101" pitchFamily="49" charset="-122"/>
               <a:ea typeface="黑体" panose="02010609060101010101" pitchFamily="49" charset="-122"/>
@@ -4936,7 +4953,7 @@
           <p:cNvPr id="8" name="文本框 7">
             <a:extLst>
               <a:ext uri="{FF2B5EF4-FFF2-40B4-BE49-F238E27FC236}">
-                <a16:creationId xmlns:a16="http://schemas.microsoft.com/office/drawing/2014/main" id="{F5DEB2B8-C64E-44C8-9460-E233390CC172}"/>
+                <a16:creationId xmlns:a16="http://schemas.microsoft.com/office/drawing/2014/main" xmlns="" id="{F5DEB2B8-C64E-44C8-9460-E233390CC172}"/>
               </a:ext>
             </a:extLst>
           </p:cNvPr>
@@ -4982,7 +4999,7 @@
           <p:cNvPr id="11" name="文本框 10">
             <a:extLst>
               <a:ext uri="{FF2B5EF4-FFF2-40B4-BE49-F238E27FC236}">
-                <a16:creationId xmlns:a16="http://schemas.microsoft.com/office/drawing/2014/main" id="{65E32C57-DABB-42F9-95C4-4C4E7FFB2E38}"/>
+                <a16:creationId xmlns:a16="http://schemas.microsoft.com/office/drawing/2014/main" xmlns="" id="{65E32C57-DABB-42F9-95C4-4C4E7FFB2E38}"/>
               </a:ext>
             </a:extLst>
           </p:cNvPr>
@@ -5430,7 +5447,7 @@
         </p:nvSpPr>
         <p:spPr>
           <a:xfrm>
-            <a:off x="3233678" y="556888"/>
+            <a:off x="3247966" y="385432"/>
             <a:ext cx="5724644" cy="584775"/>
           </a:xfrm>
           <a:prstGeom prst="rect">
@@ -5493,7 +5510,7 @@
         <p:spPr>
           <a:xfrm>
             <a:off x="1711633" y="1729948"/>
-            <a:ext cx="9329747" cy="1774525"/>
+            <a:ext cx="9329747" cy="1431161"/>
           </a:xfrm>
           <a:prstGeom prst="rect">
             <a:avLst/>
@@ -5516,7 +5533,14 @@
                 <a:latin typeface="黑体" panose="02010609060101010101" pitchFamily="49" charset="-122"/>
                 <a:ea typeface="黑体" panose="02010609060101010101" pitchFamily="49" charset="-122"/>
               </a:rPr>
-              <a:t>这款编辑器是国内一个开发者开源的，功能基本足够，样式主流</a:t>
+              <a:t>这款编辑器是国内一个开发者开源的，功能基本</a:t>
+            </a:r>
+            <a:r>
+              <a:rPr lang="zh-CN" altLang="en-US" sz="2000" dirty="0" smtClean="0">
+                <a:latin typeface="黑体" panose="02010609060101010101" pitchFamily="49" charset="-122"/>
+                <a:ea typeface="黑体" panose="02010609060101010101" pitchFamily="49" charset="-122"/>
+              </a:rPr>
+              <a:t>足够</a:t>
             </a:r>
             <a:endParaRPr lang="en-US" altLang="zh-CN" sz="2000" dirty="0">
               <a:latin typeface="黑体" panose="02010609060101010101" pitchFamily="49" charset="-122"/>
@@ -5530,32 +5554,46 @@
               </a:lnSpc>
             </a:pPr>
             <a:r>
+              <a:rPr lang="zh-CN" altLang="en-US" dirty="0" smtClean="0">
+                <a:latin typeface="黑体" panose="02010609060101010101" pitchFamily="49" charset="-122"/>
+                <a:ea typeface="黑体" panose="02010609060101010101" pitchFamily="49" charset="-122"/>
+              </a:rPr>
+              <a:t>作者</a:t>
+            </a:r>
+            <a:r>
+              <a:rPr lang="zh-CN" altLang="en-US" dirty="0">
+                <a:latin typeface="黑体" panose="02010609060101010101" pitchFamily="49" charset="-122"/>
+                <a:ea typeface="黑体" panose="02010609060101010101" pitchFamily="49" charset="-122"/>
+              </a:rPr>
+              <a:t>一直有更新，并且有</a:t>
+            </a:r>
+            <a:r>
+              <a:rPr lang="en-US" altLang="zh-CN" dirty="0">
+                <a:latin typeface="黑体" panose="02010609060101010101" pitchFamily="49" charset="-122"/>
+                <a:ea typeface="黑体" panose="02010609060101010101" pitchFamily="49" charset="-122"/>
+              </a:rPr>
+              <a:t>QQ</a:t>
+            </a:r>
+            <a:r>
+              <a:rPr lang="zh-CN" altLang="en-US" dirty="0">
+                <a:latin typeface="黑体" panose="02010609060101010101" pitchFamily="49" charset="-122"/>
+                <a:ea typeface="黑体" panose="02010609060101010101" pitchFamily="49" charset="-122"/>
+              </a:rPr>
+              <a:t>群， </a:t>
+            </a:r>
+            <a:r>
               <a:rPr lang="en-US" altLang="zh-CN" dirty="0" err="1">
                 <a:latin typeface="黑体" panose="02010609060101010101" pitchFamily="49" charset="-122"/>
                 <a:ea typeface="黑体" panose="02010609060101010101" pitchFamily="49" charset="-122"/>
               </a:rPr>
-              <a:t>wangEditor</a:t>
+              <a:t>github</a:t>
             </a:r>
             <a:r>
               <a:rPr lang="zh-CN" altLang="en-US" dirty="0">
                 <a:latin typeface="黑体" panose="02010609060101010101" pitchFamily="49" charset="-122"/>
                 <a:ea typeface="黑体" panose="02010609060101010101" pitchFamily="49" charset="-122"/>
               </a:rPr>
-              <a:t>所有源码都已经在</a:t>
-            </a:r>
-            <a:r>
-              <a:rPr lang="en-US" altLang="zh-CN" dirty="0" err="1">
-                <a:latin typeface="黑体" panose="02010609060101010101" pitchFamily="49" charset="-122"/>
-                <a:ea typeface="黑体" panose="02010609060101010101" pitchFamily="49" charset="-122"/>
-              </a:rPr>
-              <a:t>github</a:t>
-            </a:r>
-            <a:r>
-              <a:rPr lang="zh-CN" altLang="en-US" dirty="0">
-                <a:latin typeface="黑体" panose="02010609060101010101" pitchFamily="49" charset="-122"/>
-                <a:ea typeface="黑体" panose="02010609060101010101" pitchFamily="49" charset="-122"/>
-              </a:rPr>
-              <a:t>上开源</a:t>
+              <a:t>，作者能及时的回答问题</a:t>
             </a:r>
             <a:endParaRPr lang="en-US" altLang="zh-CN" dirty="0">
               <a:latin typeface="黑体" panose="02010609060101010101" pitchFamily="49" charset="-122"/>
@@ -5569,45 +5607,47 @@
               </a:lnSpc>
             </a:pPr>
             <a:r>
-              <a:rPr lang="zh-CN" altLang="en-US" dirty="0">
-                <a:latin typeface="黑体" panose="02010609060101010101" pitchFamily="49" charset="-122"/>
-                <a:ea typeface="黑体" panose="02010609060101010101" pitchFamily="49" charset="-122"/>
-              </a:rPr>
-              <a:t>作者一直有更新，并且有</a:t>
-            </a:r>
-            <a:r>
-              <a:rPr lang="en-US" altLang="zh-CN" dirty="0">
-                <a:latin typeface="黑体" panose="02010609060101010101" pitchFamily="49" charset="-122"/>
-                <a:ea typeface="黑体" panose="02010609060101010101" pitchFamily="49" charset="-122"/>
-              </a:rPr>
-              <a:t>QQ</a:t>
-            </a:r>
-            <a:r>
-              <a:rPr lang="zh-CN" altLang="en-US" dirty="0">
-                <a:latin typeface="黑体" panose="02010609060101010101" pitchFamily="49" charset="-122"/>
-                <a:ea typeface="黑体" panose="02010609060101010101" pitchFamily="49" charset="-122"/>
-              </a:rPr>
-              <a:t>群， </a:t>
-            </a:r>
-            <a:r>
-              <a:rPr lang="en-US" altLang="zh-CN" dirty="0" err="1">
-                <a:latin typeface="黑体" panose="02010609060101010101" pitchFamily="49" charset="-122"/>
-                <a:ea typeface="黑体" panose="02010609060101010101" pitchFamily="49" charset="-122"/>
-              </a:rPr>
-              <a:t>github</a:t>
-            </a:r>
-            <a:r>
-              <a:rPr lang="zh-CN" altLang="en-US" dirty="0">
-                <a:latin typeface="黑体" panose="02010609060101010101" pitchFamily="49" charset="-122"/>
-                <a:ea typeface="黑体" panose="02010609060101010101" pitchFamily="49" charset="-122"/>
-              </a:rPr>
-              <a:t>，作者能及时的回答问题</a:t>
-            </a:r>
-            <a:endParaRPr lang="en-US" altLang="zh-CN" dirty="0">
+              <a:rPr lang="zh-CN" altLang="en-US" sz="2000" dirty="0">
+                <a:latin typeface="黑体" panose="02010609060101010101" pitchFamily="49" charset="-122"/>
+                <a:ea typeface="黑体" panose="02010609060101010101" pitchFamily="49" charset="-122"/>
+              </a:rPr>
+              <a:t>源码注释写的</a:t>
+            </a:r>
+            <a:r>
+              <a:rPr lang="zh-CN" altLang="en-US" sz="2000" dirty="0" smtClean="0">
+                <a:latin typeface="黑体" panose="02010609060101010101" pitchFamily="49" charset="-122"/>
+                <a:ea typeface="黑体" panose="02010609060101010101" pitchFamily="49" charset="-122"/>
+              </a:rPr>
+              <a:t>齐全‘</a:t>
+            </a:r>
+            <a:endParaRPr lang="en-US" altLang="zh-CN" sz="2000" dirty="0">
               <a:latin typeface="黑体" panose="02010609060101010101" pitchFamily="49" charset="-122"/>
               <a:ea typeface="黑体" panose="02010609060101010101" pitchFamily="49" charset="-122"/>
             </a:endParaRPr>
           </a:p>
+        </p:txBody>
+      </p:sp>
+      <p:sp>
+        <p:nvSpPr>
+          <p:cNvPr id="10" name="文本框 9"/>
+          <p:cNvSpPr txBox="1"/>
+          <p:nvPr/>
+        </p:nvSpPr>
+        <p:spPr>
+          <a:xfrm>
+            <a:off x="887277" y="1729948"/>
+            <a:ext cx="1648712" cy="481863"/>
+          </a:xfrm>
+          <a:prstGeom prst="rect">
+            <a:avLst/>
+          </a:prstGeom>
+          <a:noFill/>
+        </p:spPr>
+        <p:txBody>
+          <a:bodyPr wrap="square" rtlCol="0">
+            <a:spAutoFit/>
+          </a:bodyPr>
+          <a:lstStyle/>
           <a:p>
             <a:pPr>
               <a:lnSpc>
@@ -5616,28 +5656,27 @@
             </a:pPr>
             <a:r>
               <a:rPr lang="zh-CN" altLang="en-US" sz="2000" dirty="0">
-                <a:latin typeface="黑体" panose="02010609060101010101" pitchFamily="49" charset="-122"/>
-                <a:ea typeface="黑体" panose="02010609060101010101" pitchFamily="49" charset="-122"/>
-              </a:rPr>
-              <a:t>源码注释写的齐全</a:t>
-            </a:r>
-            <a:endParaRPr lang="en-US" altLang="zh-CN" sz="2000" dirty="0">
-              <a:latin typeface="黑体" panose="02010609060101010101" pitchFamily="49" charset="-122"/>
-              <a:ea typeface="黑体" panose="02010609060101010101" pitchFamily="49" charset="-122"/>
-            </a:endParaRPr>
-          </a:p>
-        </p:txBody>
-      </p:sp>
-      <p:sp>
-        <p:nvSpPr>
-          <p:cNvPr id="10" name="文本框 9"/>
+                <a:solidFill>
+                  <a:srgbClr val="B5203F"/>
+                </a:solidFill>
+                <a:latin typeface="黑体" panose="02010609060101010101" pitchFamily="49" charset="-122"/>
+                <a:ea typeface="黑体" panose="02010609060101010101" pitchFamily="49" charset="-122"/>
+              </a:rPr>
+              <a:t>优点：</a:t>
+            </a:r>
+          </a:p>
+        </p:txBody>
+      </p:sp>
+      <p:sp>
+        <p:nvSpPr>
+          <p:cNvPr id="9" name="文本框 8"/>
           <p:cNvSpPr txBox="1"/>
           <p:nvPr/>
         </p:nvSpPr>
         <p:spPr>
           <a:xfrm>
-            <a:off x="887277" y="1729948"/>
-            <a:ext cx="1648712" cy="481863"/>
+            <a:off x="1711633" y="4396862"/>
+            <a:ext cx="9460343" cy="1015663"/>
           </a:xfrm>
           <a:prstGeom prst="rect">
             <a:avLst/>
@@ -5656,72 +5695,18 @@
               </a:lnSpc>
             </a:pPr>
             <a:r>
+              <a:rPr lang="zh-CN" altLang="en-US" sz="2000" dirty="0" smtClean="0">
+                <a:latin typeface="黑体" panose="02010609060101010101" pitchFamily="49" charset="-122"/>
+                <a:ea typeface="黑体" panose="02010609060101010101" pitchFamily="49" charset="-122"/>
+              </a:rPr>
+              <a:t>依赖</a:t>
+            </a:r>
+            <a:r>
               <a:rPr lang="zh-CN" altLang="en-US" sz="2000" dirty="0">
-                <a:solidFill>
-                  <a:srgbClr val="B5203F"/>
-                </a:solidFill>
-                <a:latin typeface="黑体" panose="02010609060101010101" pitchFamily="49" charset="-122"/>
-                <a:ea typeface="黑体" panose="02010609060101010101" pitchFamily="49" charset="-122"/>
-              </a:rPr>
-              <a:t>优点：</a:t>
-            </a:r>
-          </a:p>
-        </p:txBody>
-      </p:sp>
-      <p:sp>
-        <p:nvSpPr>
-          <p:cNvPr id="9" name="文本框 8"/>
-          <p:cNvSpPr txBox="1"/>
-          <p:nvPr/>
-        </p:nvSpPr>
-        <p:spPr>
-          <a:xfrm>
-            <a:off x="1711633" y="4456237"/>
-            <a:ext cx="9460343" cy="1383456"/>
-          </a:xfrm>
-          <a:prstGeom prst="rect">
-            <a:avLst/>
-          </a:prstGeom>
-          <a:noFill/>
-        </p:spPr>
-        <p:txBody>
-          <a:bodyPr wrap="square" rtlCol="0">
-            <a:spAutoFit/>
-          </a:bodyPr>
-          <a:lstStyle/>
-          <a:p>
-            <a:pPr>
-              <a:lnSpc>
-                <a:spcPct val="150000"/>
-              </a:lnSpc>
-            </a:pPr>
-            <a:r>
-              <a:rPr lang="zh-CN" altLang="en-US" dirty="0">
-                <a:latin typeface="黑体" panose="02010609060101010101" pitchFamily="49" charset="-122"/>
-                <a:ea typeface="黑体" panose="02010609060101010101" pitchFamily="49" charset="-122"/>
-              </a:rPr>
-              <a:t>缺少各种功能</a:t>
-            </a:r>
-            <a:r>
-              <a:rPr lang="en-US" altLang="zh-CN" dirty="0">
-                <a:latin typeface="黑体" panose="02010609060101010101" pitchFamily="49" charset="-122"/>
-                <a:ea typeface="黑体" panose="02010609060101010101" pitchFamily="49" charset="-122"/>
-              </a:rPr>
-              <a:t>Demo</a:t>
-            </a:r>
-          </a:p>
-          <a:p>
-            <a:pPr>
-              <a:lnSpc>
-                <a:spcPct val="150000"/>
-              </a:lnSpc>
-            </a:pPr>
-            <a:r>
-              <a:rPr lang="zh-CN" altLang="en-US" sz="2000" dirty="0">
-                <a:latin typeface="黑体" panose="02010609060101010101" pitchFamily="49" charset="-122"/>
-                <a:ea typeface="黑体" panose="02010609060101010101" pitchFamily="49" charset="-122"/>
-              </a:rPr>
-              <a:t>依赖于</a:t>
+                <a:latin typeface="黑体" panose="02010609060101010101" pitchFamily="49" charset="-122"/>
+                <a:ea typeface="黑体" panose="02010609060101010101" pitchFamily="49" charset="-122"/>
+              </a:rPr>
+              <a:t>于</a:t>
             </a:r>
             <a:r>
               <a:rPr lang="en-US" altLang="zh-CN" sz="2000" dirty="0">
@@ -5928,7 +5913,7 @@
         <p:spPr>
           <a:xfrm>
             <a:off x="1711633" y="1680255"/>
-            <a:ext cx="4384367" cy="2520370"/>
+            <a:ext cx="4384367" cy="2585323"/>
           </a:xfrm>
           <a:prstGeom prst="rect">
             <a:avLst/>
@@ -5947,13 +5932,13 @@
               </a:lnSpc>
             </a:pPr>
             <a:r>
-              <a:rPr lang="zh-CN" altLang="en-US" dirty="0">
-                <a:latin typeface="黑体" panose="02010609060101010101" pitchFamily="49" charset="-122"/>
-                <a:ea typeface="黑体" panose="02010609060101010101" pitchFamily="49" charset="-122"/>
-              </a:rPr>
-              <a:t>颜值高，多主题，轻量级，使用方便</a:t>
-            </a:r>
-            <a:endParaRPr lang="en-US" altLang="zh-CN" dirty="0">
+              <a:rPr lang="zh-CN" altLang="en-US" dirty="0" smtClean="0">
+                <a:latin typeface="黑体" panose="02010609060101010101" pitchFamily="49" charset="-122"/>
+                <a:ea typeface="黑体" panose="02010609060101010101" pitchFamily="49" charset="-122"/>
+              </a:rPr>
+              <a:t>号称现代富文本编辑器</a:t>
+            </a:r>
+            <a:endParaRPr lang="en-US" altLang="zh-CN" dirty="0" smtClean="0">
               <a:latin typeface="黑体" panose="02010609060101010101" pitchFamily="49" charset="-122"/>
               <a:ea typeface="黑体" panose="02010609060101010101" pitchFamily="49" charset="-122"/>
             </a:endParaRPr>
@@ -5965,40 +5950,16 @@
               </a:lnSpc>
             </a:pPr>
             <a:r>
-              <a:rPr lang="en-US" altLang="zh-CN" dirty="0" err="1">
-                <a:latin typeface="黑体" panose="02010609060101010101" pitchFamily="49" charset="-122"/>
-                <a:ea typeface="黑体" panose="02010609060101010101" pitchFamily="49" charset="-122"/>
-              </a:rPr>
-              <a:t>Github</a:t>
-            </a:r>
-            <a:r>
-              <a:rPr lang="zh-CN" altLang="en-US" dirty="0">
-                <a:latin typeface="黑体" panose="02010609060101010101" pitchFamily="49" charset="-122"/>
-                <a:ea typeface="黑体" panose="02010609060101010101" pitchFamily="49" charset="-122"/>
-              </a:rPr>
-              <a:t>的</a:t>
-            </a:r>
-            <a:r>
-              <a:rPr lang="en-US" altLang="zh-CN" dirty="0">
-                <a:latin typeface="黑体" panose="02010609060101010101" pitchFamily="49" charset="-122"/>
-                <a:ea typeface="黑体" panose="02010609060101010101" pitchFamily="49" charset="-122"/>
-              </a:rPr>
-              <a:t>Star</a:t>
-            </a:r>
-            <a:r>
-              <a:rPr lang="zh-CN" altLang="en-US" dirty="0">
-                <a:latin typeface="黑体" panose="02010609060101010101" pitchFamily="49" charset="-122"/>
-                <a:ea typeface="黑体" panose="02010609060101010101" pitchFamily="49" charset="-122"/>
-              </a:rPr>
-              <a:t>数超过</a:t>
-            </a:r>
-            <a:r>
-              <a:rPr lang="en-US" altLang="zh-CN" dirty="0">
-                <a:latin typeface="黑体" panose="02010609060101010101" pitchFamily="49" charset="-122"/>
-                <a:ea typeface="黑体" panose="02010609060101010101" pitchFamily="49" charset="-122"/>
-              </a:rPr>
-              <a:t>27k</a:t>
-            </a:r>
+              <a:rPr lang="zh-CN" altLang="en-US" dirty="0" smtClean="0">
+                <a:latin typeface="黑体" panose="02010609060101010101" pitchFamily="49" charset="-122"/>
+                <a:ea typeface="黑体" panose="02010609060101010101" pitchFamily="49" charset="-122"/>
+              </a:rPr>
+              <a:t>颜值高，多主题，轻量级</a:t>
+            </a:r>
+            <a:endParaRPr lang="en-US" altLang="zh-CN" dirty="0" smtClean="0">
+              <a:latin typeface="黑体" panose="02010609060101010101" pitchFamily="49" charset="-122"/>
+              <a:ea typeface="黑体" panose="02010609060101010101" pitchFamily="49" charset="-122"/>
+            </a:endParaRPr>
           </a:p>
           <a:p>
             <a:pPr>
@@ -6007,18 +5968,39 @@
               </a:lnSpc>
             </a:pPr>
             <a:r>
-              <a:rPr lang="zh-CN" altLang="en-US" dirty="0">
-                <a:latin typeface="黑体" panose="02010609060101010101" pitchFamily="49" charset="-122"/>
-                <a:ea typeface="黑体" panose="02010609060101010101" pitchFamily="49" charset="-122"/>
-              </a:rPr>
-              <a:t>完美的代码高亮，内置</a:t>
-            </a:r>
-            <a:r>
-              <a:rPr lang="en-US" altLang="zh-CN" dirty="0">
-                <a:latin typeface="黑体" panose="02010609060101010101" pitchFamily="49" charset="-122"/>
-                <a:ea typeface="黑体" panose="02010609060101010101" pitchFamily="49" charset="-122"/>
-              </a:rPr>
-              <a:t>hignlight.js</a:t>
+              <a:rPr lang="en-US" altLang="zh-CN" dirty="0" err="1" smtClean="0">
+                <a:latin typeface="黑体" panose="02010609060101010101" pitchFamily="49" charset="-122"/>
+                <a:ea typeface="黑体" panose="02010609060101010101" pitchFamily="49" charset="-122"/>
+              </a:rPr>
+              <a:t>Github</a:t>
+            </a:r>
+            <a:r>
+              <a:rPr lang="zh-CN" altLang="en-US" dirty="0" smtClean="0">
+                <a:latin typeface="黑体" panose="02010609060101010101" pitchFamily="49" charset="-122"/>
+                <a:ea typeface="黑体" panose="02010609060101010101" pitchFamily="49" charset="-122"/>
+              </a:rPr>
+              <a:t>的</a:t>
+            </a:r>
+            <a:r>
+              <a:rPr lang="en-US" altLang="zh-CN" dirty="0" smtClean="0">
+                <a:latin typeface="黑体" panose="02010609060101010101" pitchFamily="49" charset="-122"/>
+                <a:ea typeface="黑体" panose="02010609060101010101" pitchFamily="49" charset="-122"/>
+              </a:rPr>
+              <a:t>Star</a:t>
+            </a:r>
+            <a:r>
+              <a:rPr lang="zh-CN" altLang="en-US" dirty="0" smtClean="0">
+                <a:latin typeface="黑体" panose="02010609060101010101" pitchFamily="49" charset="-122"/>
+                <a:ea typeface="黑体" panose="02010609060101010101" pitchFamily="49" charset="-122"/>
+              </a:rPr>
+              <a:t>数超过</a:t>
+            </a:r>
+            <a:r>
+              <a:rPr lang="en-US" altLang="zh-CN" dirty="0" smtClean="0">
+                <a:latin typeface="黑体" panose="02010609060101010101" pitchFamily="49" charset="-122"/>
+                <a:ea typeface="黑体" panose="02010609060101010101" pitchFamily="49" charset="-122"/>
+              </a:rPr>
+              <a:t>27k</a:t>
             </a:r>
           </a:p>
           <a:p>
@@ -6028,20 +6010,20 @@
               </a:lnSpc>
             </a:pPr>
             <a:r>
-              <a:rPr lang="en-US" altLang="zh-CN" dirty="0">
-                <a:latin typeface="黑体" panose="02010609060101010101" pitchFamily="49" charset="-122"/>
-                <a:ea typeface="黑体" panose="02010609060101010101" pitchFamily="49" charset="-122"/>
-              </a:rPr>
-              <a:t>API</a:t>
-            </a:r>
-            <a:r>
-              <a:rPr lang="zh-CN" altLang="en-US" dirty="0">
-                <a:latin typeface="黑体" panose="02010609060101010101" pitchFamily="49" charset="-122"/>
-                <a:ea typeface="黑体" panose="02010609060101010101" pitchFamily="49" charset="-122"/>
-              </a:rPr>
-              <a:t>驱动设计</a:t>
-            </a:r>
-            <a:endParaRPr lang="en-US" altLang="zh-CN" dirty="0">
+              <a:rPr lang="zh-CN" altLang="en-US" dirty="0" smtClean="0">
+                <a:latin typeface="黑体" panose="02010609060101010101" pitchFamily="49" charset="-122"/>
+                <a:ea typeface="黑体" panose="02010609060101010101" pitchFamily="49" charset="-122"/>
+              </a:rPr>
+              <a:t>完美的代码高亮，内置</a:t>
+            </a:r>
+            <a:r>
+              <a:rPr lang="en-US" altLang="zh-CN" dirty="0" err="1" smtClean="0">
+                <a:latin typeface="黑体" panose="02010609060101010101" pitchFamily="49" charset="-122"/>
+                <a:ea typeface="黑体" panose="02010609060101010101" pitchFamily="49" charset="-122"/>
+              </a:rPr>
+              <a:t>hignlight.js</a:t>
+            </a:r>
+            <a:endParaRPr lang="en-US" altLang="zh-CN" dirty="0" smtClean="0">
               <a:latin typeface="黑体" panose="02010609060101010101" pitchFamily="49" charset="-122"/>
               <a:ea typeface="黑体" panose="02010609060101010101" pitchFamily="49" charset="-122"/>
             </a:endParaRPr>
@@ -6053,11 +6035,18 @@
               </a:lnSpc>
             </a:pPr>
             <a:r>
+              <a:rPr lang="zh-CN" altLang="en-US" dirty="0" smtClean="0">
+                <a:latin typeface="黑体" panose="02010609060101010101" pitchFamily="49" charset="-122"/>
+                <a:ea typeface="黑体" panose="02010609060101010101" pitchFamily="49" charset="-122"/>
+              </a:rPr>
+              <a:t>优秀</a:t>
+            </a:r>
+            <a:r>
               <a:rPr lang="zh-CN" altLang="en-US" dirty="0">
                 <a:latin typeface="黑体" panose="02010609060101010101" pitchFamily="49" charset="-122"/>
                 <a:ea typeface="黑体" panose="02010609060101010101" pitchFamily="49" charset="-122"/>
               </a:rPr>
-              <a:t>优秀的模块化拓展机制</a:t>
+              <a:t>的模块化拓展机制</a:t>
             </a:r>
             <a:endParaRPr lang="en-US" altLang="zh-CN" dirty="0">
               <a:latin typeface="黑体" panose="02010609060101010101" pitchFamily="49" charset="-122"/>
@@ -6168,7 +6157,7 @@
           <p:cNvPr id="2" name="图片 1">
             <a:extLst>
               <a:ext uri="{FF2B5EF4-FFF2-40B4-BE49-F238E27FC236}">
-                <a16:creationId xmlns:a16="http://schemas.microsoft.com/office/drawing/2014/main" id="{E8CE579C-44BA-49E4-8178-A178A09EC8AC}"/>
+                <a16:creationId xmlns:a16="http://schemas.microsoft.com/office/drawing/2014/main" xmlns="" id="{E8CE579C-44BA-49E4-8178-A178A09EC8AC}"/>
               </a:ext>
             </a:extLst>
           </p:cNvPr>
@@ -6198,7 +6187,7 @@
           <p:cNvPr id="6" name="图片 5">
             <a:extLst>
               <a:ext uri="{FF2B5EF4-FFF2-40B4-BE49-F238E27FC236}">
-                <a16:creationId xmlns:a16="http://schemas.microsoft.com/office/drawing/2014/main" id="{CFAC4443-1A1A-4448-AAAD-79FE598DC2E8}"/>
+                <a16:creationId xmlns:a16="http://schemas.microsoft.com/office/drawing/2014/main" xmlns="" id="{CFAC4443-1A1A-4448-AAAD-79FE598DC2E8}"/>
               </a:ext>
             </a:extLst>
           </p:cNvPr>
@@ -6350,21 +6339,35 @@
                 <a:latin typeface="黑体" panose="02010609060101010101" pitchFamily="49" charset="-122"/>
                 <a:ea typeface="黑体" panose="02010609060101010101" pitchFamily="49" charset="-122"/>
               </a:rPr>
-              <a:t>一共内置</a:t>
+              <a:t>一共</a:t>
+            </a:r>
+            <a:r>
+              <a:rPr lang="zh-CN" altLang="en-US" dirty="0" smtClean="0">
+                <a:latin typeface="黑体" panose="02010609060101010101" pitchFamily="49" charset="-122"/>
+                <a:ea typeface="黑体" panose="02010609060101010101" pitchFamily="49" charset="-122"/>
+              </a:rPr>
+              <a:t>内置</a:t>
             </a:r>
             <a:r>
               <a:rPr lang="en-US" altLang="zh-CN" dirty="0">
                 <a:latin typeface="黑体" panose="02010609060101010101" pitchFamily="49" charset="-122"/>
                 <a:ea typeface="黑体" panose="02010609060101010101" pitchFamily="49" charset="-122"/>
               </a:rPr>
-              <a:t>5</a:t>
+              <a:t>6</a:t>
+            </a:r>
+            <a:r>
+              <a:rPr lang="zh-CN" altLang="en-US" dirty="0" smtClean="0">
+                <a:latin typeface="黑体" panose="02010609060101010101" pitchFamily="49" charset="-122"/>
+                <a:ea typeface="黑体" panose="02010609060101010101" pitchFamily="49" charset="-122"/>
+              </a:rPr>
+              <a:t>个</a:t>
             </a:r>
             <a:r>
               <a:rPr lang="zh-CN" altLang="en-US" dirty="0">
                 <a:latin typeface="黑体" panose="02010609060101010101" pitchFamily="49" charset="-122"/>
                 <a:ea typeface="黑体" panose="02010609060101010101" pitchFamily="49" charset="-122"/>
               </a:rPr>
-              <a:t>个模块：</a:t>
+              <a:t>模块：</a:t>
             </a:r>
           </a:p>
           <a:p>
@@ -6475,12 +6478,50 @@
               <a:t>Toolbar </a:t>
             </a:r>
             <a:r>
+              <a:rPr lang="zh-CN" altLang="en-US" dirty="0" smtClean="0">
+                <a:latin typeface="黑体" panose="02010609060101010101" pitchFamily="49" charset="-122"/>
+                <a:ea typeface="黑体" panose="02010609060101010101" pitchFamily="49" charset="-122"/>
+              </a:rPr>
+              <a:t>工具栏</a:t>
+            </a:r>
+            <a:endParaRPr lang="en-US" altLang="zh-CN" dirty="0" smtClean="0">
+              <a:latin typeface="黑体" panose="02010609060101010101" pitchFamily="49" charset="-122"/>
+              <a:ea typeface="黑体" panose="02010609060101010101" pitchFamily="49" charset="-122"/>
+            </a:endParaRPr>
+          </a:p>
+          <a:p>
+            <a:pPr marL="285750" indent="-285750">
+              <a:lnSpc>
+                <a:spcPct val="150000"/>
+              </a:lnSpc>
+              <a:buFont typeface="Arial" panose="020B0604020202020204" pitchFamily="34" charset="0"/>
+              <a:buChar char="•"/>
+            </a:pPr>
+            <a:r>
+              <a:rPr lang="en-US" altLang="zh-CN" dirty="0" smtClean="0"/>
+              <a:t>Formula  </a:t>
+            </a:r>
+            <a:r>
               <a:rPr lang="zh-CN" altLang="en-US" dirty="0">
                 <a:latin typeface="黑体" panose="02010609060101010101" pitchFamily="49" charset="-122"/>
                 <a:ea typeface="黑体" panose="02010609060101010101" pitchFamily="49" charset="-122"/>
               </a:rPr>
-              <a:t>工具栏</a:t>
-            </a:r>
+              <a:t>格式化</a:t>
+            </a:r>
+            <a:endParaRPr lang="zh-CN" altLang="en-US" dirty="0">
+              <a:latin typeface="黑体" panose="02010609060101010101" pitchFamily="49" charset="-122"/>
+              <a:ea typeface="黑体" panose="02010609060101010101" pitchFamily="49" charset="-122"/>
+            </a:endParaRPr>
+          </a:p>
+          <a:p>
+            <a:pPr marL="285750" indent="-285750">
+              <a:lnSpc>
+                <a:spcPct val="150000"/>
+              </a:lnSpc>
+              <a:buFont typeface="Arial" panose="020B0604020202020204" pitchFamily="34" charset="0"/>
+              <a:buChar char="•"/>
+            </a:pPr>
+            <a:endParaRPr lang="en-US" altLang="zh-CN" b="1" dirty="0"/>
           </a:p>
         </p:txBody>
       </p:sp>
@@ -6642,7 +6683,7 @@
           <p:cNvPr id="5" name="图片 4">
             <a:extLst>
               <a:ext uri="{FF2B5EF4-FFF2-40B4-BE49-F238E27FC236}">
-                <a16:creationId xmlns:a16="http://schemas.microsoft.com/office/drawing/2014/main" id="{C6E904E1-2AC0-4E78-BE28-D7B3DA000CB3}"/>
+                <a16:creationId xmlns:a16="http://schemas.microsoft.com/office/drawing/2014/main" xmlns="" id="{C6E904E1-2AC0-4E78-BE28-D7B3DA000CB3}"/>
               </a:ext>
             </a:extLst>
           </p:cNvPr>
@@ -6749,7 +6790,7 @@
           <p:cNvPr id="5" name="文本框 4">
             <a:extLst>
               <a:ext uri="{FF2B5EF4-FFF2-40B4-BE49-F238E27FC236}">
-                <a16:creationId xmlns:a16="http://schemas.microsoft.com/office/drawing/2014/main" id="{990CA159-82E0-4E24-BD03-F26344BCEDA3}"/>
+                <a16:creationId xmlns:a16="http://schemas.microsoft.com/office/drawing/2014/main" xmlns="" id="{990CA159-82E0-4E24-BD03-F26344BCEDA3}"/>
               </a:ext>
             </a:extLst>
           </p:cNvPr>
@@ -6794,7 +6835,7 @@
           <p:cNvPr id="6" name="菱形 5">
             <a:extLst>
               <a:ext uri="{FF2B5EF4-FFF2-40B4-BE49-F238E27FC236}">
-                <a16:creationId xmlns:a16="http://schemas.microsoft.com/office/drawing/2014/main" id="{3DBE43F4-08FE-4227-976A-8579DD94F5CB}"/>
+                <a16:creationId xmlns:a16="http://schemas.microsoft.com/office/drawing/2014/main" xmlns="" id="{3DBE43F4-08FE-4227-976A-8579DD94F5CB}"/>
               </a:ext>
             </a:extLst>
           </p:cNvPr>
@@ -6843,7 +6884,7 @@
           <p:cNvPr id="7" name="文本框 6">
             <a:extLst>
               <a:ext uri="{FF2B5EF4-FFF2-40B4-BE49-F238E27FC236}">
-                <a16:creationId xmlns:a16="http://schemas.microsoft.com/office/drawing/2014/main" id="{E16F2920-AAB8-4D5C-B7FD-BDDD74A1FC7E}"/>
+                <a16:creationId xmlns:a16="http://schemas.microsoft.com/office/drawing/2014/main" xmlns="" id="{E16F2920-AAB8-4D5C-B7FD-BDDD74A1FC7E}"/>
               </a:ext>
             </a:extLst>
           </p:cNvPr>
@@ -6940,7 +6981,7 @@
           <p:cNvPr id="8" name="文本框 7">
             <a:extLst>
               <a:ext uri="{FF2B5EF4-FFF2-40B4-BE49-F238E27FC236}">
-                <a16:creationId xmlns:a16="http://schemas.microsoft.com/office/drawing/2014/main" id="{0AAD27FC-32FF-4531-826B-1A6018AB4E1B}"/>
+                <a16:creationId xmlns:a16="http://schemas.microsoft.com/office/drawing/2014/main" xmlns="" id="{0AAD27FC-32FF-4531-826B-1A6018AB4E1B}"/>
               </a:ext>
             </a:extLst>
           </p:cNvPr>
@@ -6985,7 +7026,7 @@
           <p:cNvPr id="9" name="菱形 8">
             <a:extLst>
               <a:ext uri="{FF2B5EF4-FFF2-40B4-BE49-F238E27FC236}">
-                <a16:creationId xmlns:a16="http://schemas.microsoft.com/office/drawing/2014/main" id="{311BA5F5-4572-46A9-8F3E-939ABD27F9E0}"/>
+                <a16:creationId xmlns:a16="http://schemas.microsoft.com/office/drawing/2014/main" xmlns="" id="{311BA5F5-4572-46A9-8F3E-939ABD27F9E0}"/>
               </a:ext>
             </a:extLst>
           </p:cNvPr>
@@ -7034,7 +7075,7 @@
           <p:cNvPr id="10" name="文本框 9">
             <a:extLst>
               <a:ext uri="{FF2B5EF4-FFF2-40B4-BE49-F238E27FC236}">
-                <a16:creationId xmlns:a16="http://schemas.microsoft.com/office/drawing/2014/main" id="{B7B83B31-4334-43D2-A8E0-65F823332B56}"/>
+                <a16:creationId xmlns:a16="http://schemas.microsoft.com/office/drawing/2014/main" xmlns="" id="{B7B83B31-4334-43D2-A8E0-65F823332B56}"/>
               </a:ext>
             </a:extLst>
           </p:cNvPr>
@@ -7176,7 +7217,7 @@
           <p:cNvPr id="11" name="文本框 10">
             <a:extLst>
               <a:ext uri="{FF2B5EF4-FFF2-40B4-BE49-F238E27FC236}">
-                <a16:creationId xmlns:a16="http://schemas.microsoft.com/office/drawing/2014/main" id="{95A74256-1186-4272-BBB4-D19C317F217F}"/>
+                <a16:creationId xmlns:a16="http://schemas.microsoft.com/office/drawing/2014/main" xmlns="" id="{95A74256-1186-4272-BBB4-D19C317F217F}"/>
               </a:ext>
             </a:extLst>
           </p:cNvPr>
@@ -7221,7 +7262,7 @@
           <p:cNvPr id="12" name="菱形 11">
             <a:extLst>
               <a:ext uri="{FF2B5EF4-FFF2-40B4-BE49-F238E27FC236}">
-                <a16:creationId xmlns:a16="http://schemas.microsoft.com/office/drawing/2014/main" id="{AF842BB0-2ECF-42DB-AF30-AEB5055271F3}"/>
+                <a16:creationId xmlns:a16="http://schemas.microsoft.com/office/drawing/2014/main" xmlns="" id="{AF842BB0-2ECF-42DB-AF30-AEB5055271F3}"/>
               </a:ext>
             </a:extLst>
           </p:cNvPr>
@@ -7270,7 +7311,7 @@
           <p:cNvPr id="13" name="文本框 12">
             <a:extLst>
               <a:ext uri="{FF2B5EF4-FFF2-40B4-BE49-F238E27FC236}">
-                <a16:creationId xmlns:a16="http://schemas.microsoft.com/office/drawing/2014/main" id="{F2CEF4AB-3270-4B41-801F-31CA92583F5F}"/>
+                <a16:creationId xmlns:a16="http://schemas.microsoft.com/office/drawing/2014/main" xmlns="" id="{F2CEF4AB-3270-4B41-801F-31CA92583F5F}"/>
               </a:ext>
             </a:extLst>
           </p:cNvPr>
@@ -7717,7 +7758,7 @@
         <p:spPr>
           <a:xfrm>
             <a:off x="1421922" y="2174964"/>
-            <a:ext cx="9546203" cy="400110"/>
+            <a:ext cx="10443885" cy="707886"/>
           </a:xfrm>
           <a:prstGeom prst="rect">
             <a:avLst/>
@@ -7828,8 +7869,64 @@
                 <a:latin typeface="黑体" panose="02010609060101010101" pitchFamily="49" charset="-122"/>
                 <a:ea typeface="黑体" panose="02010609060101010101" pitchFamily="49" charset="-122"/>
               </a:rPr>
-              <a:t>都已经支持这一功能</a:t>
-            </a:r>
+              <a:t>都已经支持这一</a:t>
+            </a:r>
+            <a:r>
+              <a:rPr lang="zh-CN" altLang="en-US" sz="2000" dirty="0" smtClean="0">
+                <a:solidFill>
+                  <a:srgbClr val="3E3E3E"/>
+                </a:solidFill>
+                <a:latin typeface="黑体" panose="02010609060101010101" pitchFamily="49" charset="-122"/>
+                <a:ea typeface="黑体" panose="02010609060101010101" pitchFamily="49" charset="-122"/>
+              </a:rPr>
+              <a:t>功能</a:t>
+            </a:r>
+            <a:r>
+              <a:rPr lang="en-US" altLang="zh-CN" sz="2000" dirty="0" smtClean="0">
+                <a:solidFill>
+                  <a:srgbClr val="3E3E3E"/>
+                </a:solidFill>
+                <a:latin typeface="黑体" panose="02010609060101010101" pitchFamily="49" charset="-122"/>
+                <a:ea typeface="黑体" panose="02010609060101010101" pitchFamily="49" charset="-122"/>
+              </a:rPr>
+              <a:t>,</a:t>
+            </a:r>
+            <a:r>
+              <a:rPr lang="zh-CN" altLang="en-US" sz="2000" dirty="0" smtClean="0">
+                <a:solidFill>
+                  <a:srgbClr val="3E3E3E"/>
+                </a:solidFill>
+                <a:latin typeface="黑体" panose="02010609060101010101" pitchFamily="49" charset="-122"/>
+                <a:ea typeface="黑体" panose="02010609060101010101" pitchFamily="49" charset="-122"/>
+              </a:rPr>
+              <a:t>不过仍</a:t>
+            </a:r>
+            <a:endParaRPr lang="en-US" altLang="zh-CN" sz="2000" dirty="0" smtClean="0">
+              <a:solidFill>
+                <a:srgbClr val="3E3E3E"/>
+              </a:solidFill>
+              <a:latin typeface="黑体" panose="02010609060101010101" pitchFamily="49" charset="-122"/>
+              <a:ea typeface="黑体" panose="02010609060101010101" pitchFamily="49" charset="-122"/>
+            </a:endParaRPr>
+          </a:p>
+          <a:p>
+            <a:r>
+              <a:rPr lang="zh-CN" altLang="en-US" sz="2000" dirty="0" smtClean="0">
+                <a:solidFill>
+                  <a:srgbClr val="3E3E3E"/>
+                </a:solidFill>
+                <a:latin typeface="黑体" panose="02010609060101010101" pitchFamily="49" charset="-122"/>
+                <a:ea typeface="黑体" panose="02010609060101010101" pitchFamily="49" charset="-122"/>
+              </a:rPr>
+              <a:t>没有统一的标准</a:t>
+            </a:r>
+            <a:endParaRPr lang="zh-CN" altLang="en-US" sz="2000" dirty="0">
+              <a:solidFill>
+                <a:srgbClr val="3E3E3E"/>
+              </a:solidFill>
+              <a:latin typeface="黑体" panose="02010609060101010101" pitchFamily="49" charset="-122"/>
+              <a:ea typeface="黑体" panose="02010609060101010101" pitchFamily="49" charset="-122"/>
+            </a:endParaRPr>
           </a:p>
         </p:txBody>
       </p:sp>
@@ -7898,7 +7995,7 @@
         </p:blipFill>
         <p:spPr>
           <a:xfrm>
-            <a:off x="2037806" y="2754477"/>
+            <a:off x="2500942" y="3051352"/>
             <a:ext cx="7188488" cy="3928317"/>
           </a:xfrm>
           <a:prstGeom prst="rect">
@@ -7944,8 +8041,8 @@
         </p:nvSpPr>
         <p:spPr>
           <a:xfrm>
-            <a:off x="5182929" y="379200"/>
-            <a:ext cx="1826141" cy="584775"/>
+            <a:off x="4565418" y="379200"/>
+            <a:ext cx="3057247" cy="584775"/>
           </a:xfrm>
           <a:prstGeom prst="rect">
             <a:avLst/>
@@ -7959,6 +8056,16 @@
           <a:lstStyle/>
           <a:p>
             <a:r>
+              <a:rPr lang="zh-CN" altLang="en-US" sz="3200" dirty="0" smtClean="0">
+                <a:solidFill>
+                  <a:srgbClr val="B5203F"/>
+                </a:solidFill>
+                <a:latin typeface="黑体" panose="02010609060101010101" pitchFamily="49" charset="-122"/>
+                <a:ea typeface="黑体" panose="02010609060101010101" pitchFamily="49" charset="-122"/>
+              </a:rPr>
+              <a:t>编辑区实现</a:t>
+            </a:r>
+            <a:r>
               <a:rPr lang="zh-CN" altLang="en-US" sz="3200" dirty="0">
                 <a:solidFill>
                   <a:srgbClr val="B5203F"/>
@@ -7966,7 +8073,7 @@
                 <a:latin typeface="黑体" panose="02010609060101010101" pitchFamily="49" charset="-122"/>
                 <a:ea typeface="黑体" panose="02010609060101010101" pitchFamily="49" charset="-122"/>
               </a:rPr>
-              <a:t>实现方式</a:t>
+              <a:t>方式</a:t>
             </a:r>
           </a:p>
         </p:txBody>
